--- a/我已經決定_version2.pptx
+++ b/我已經決定_version2.pptx
@@ -2,7 +2,7 @@
 <file path=ppt/presentation.xml><?xml version="1.0" encoding="utf-8"?>
 <p:presentation xmlns:a="http://schemas.openxmlformats.org/drawingml/2006/main" xmlns:r="http://schemas.openxmlformats.org/officeDocument/2006/relationships" xmlns:p="http://schemas.openxmlformats.org/presentationml/2006/main" saveSubsetFonts="1">
   <p:sldMasterIdLst>
-    <p:sldMasterId id="2147483648" r:id="rId1"/>
+    <p:sldMasterId id="2147483660" r:id="rId1"/>
   </p:sldMasterIdLst>
   <p:sldIdLst>
     <p:sldId id="257" r:id="rId2"/>
@@ -111,7 +111,7 @@
 
 <file path=ppt/slideLayouts/slideLayout1.xml><?xml version="1.0" encoding="utf-8"?>
 <p:sldLayout xmlns:a="http://schemas.openxmlformats.org/drawingml/2006/main" xmlns:r="http://schemas.openxmlformats.org/officeDocument/2006/relationships" xmlns:p="http://schemas.openxmlformats.org/presentationml/2006/main" type="title" preserve="1">
-  <p:cSld name="Title Slide">
+  <p:cSld name="標題投影片">
     <p:spTree>
       <p:nvGrpSpPr>
         <p:cNvPr id="1" name=""/>
@@ -128,7 +128,7 @@
       </p:grpSpPr>
       <p:sp>
         <p:nvSpPr>
-          <p:cNvPr id="2" name="Title 1"/>
+          <p:cNvPr id="2" name="標題 1"/>
           <p:cNvSpPr>
             <a:spLocks noGrp="1"/>
           </p:cNvSpPr>
@@ -147,16 +147,16 @@
           <a:lstStyle/>
           <a:p>
             <a:r>
-              <a:rPr lang="en-US" smtClean="0"/>
-              <a:t>Click to edit Master title style</a:t>
-            </a:r>
-            <a:endParaRPr lang="en-US"/>
-          </a:p>
-        </p:txBody>
-      </p:sp>
-      <p:sp>
-        <p:nvSpPr>
-          <p:cNvPr id="3" name="Subtitle 2"/>
+              <a:rPr lang="zh-TW" altLang="en-US" smtClean="0"/>
+              <a:t>按一下以編輯母片標題樣式</a:t>
+            </a:r>
+            <a:endParaRPr lang="zh-TW" altLang="en-US"/>
+          </a:p>
+        </p:txBody>
+      </p:sp>
+      <p:sp>
+        <p:nvSpPr>
+          <p:cNvPr id="3" name="副標題 2"/>
           <p:cNvSpPr>
             <a:spLocks noGrp="1"/>
           </p:cNvSpPr>
@@ -266,16 +266,16 @@
           </a:lstStyle>
           <a:p>
             <a:r>
-              <a:rPr lang="en-US" smtClean="0"/>
-              <a:t>Click to edit Master subtitle style</a:t>
-            </a:r>
-            <a:endParaRPr lang="en-US"/>
-          </a:p>
-        </p:txBody>
-      </p:sp>
-      <p:sp>
-        <p:nvSpPr>
-          <p:cNvPr id="4" name="Date Placeholder 3"/>
+              <a:rPr lang="zh-TW" altLang="en-US" smtClean="0"/>
+              <a:t>按一下以編輯母片副標題樣式</a:t>
+            </a:r>
+            <a:endParaRPr lang="zh-TW" altLang="en-US"/>
+          </a:p>
+        </p:txBody>
+      </p:sp>
+      <p:sp>
+        <p:nvSpPr>
+          <p:cNvPr id="4" name="日期版面配置區 3"/>
           <p:cNvSpPr>
             <a:spLocks noGrp="1"/>
           </p:cNvSpPr>
@@ -290,7 +290,8 @@
           <a:p>
             <a:fld id="{D792ABAC-BF4C-4256-9FBE-7324EDD8265A}" type="datetimeFigureOut">
               <a:rPr lang="en-US" smtClean="0"/>
-              <a:t>1/5/2019</a:t>
+              <a:pPr/>
+              <a:t>1/6/2019</a:t>
             </a:fld>
             <a:endParaRPr lang="en-US"/>
           </a:p>
@@ -298,7 +299,7 @@
       </p:sp>
       <p:sp>
         <p:nvSpPr>
-          <p:cNvPr id="5" name="Footer Placeholder 4"/>
+          <p:cNvPr id="5" name="頁尾版面配置區 4"/>
           <p:cNvSpPr>
             <a:spLocks noGrp="1"/>
           </p:cNvSpPr>
@@ -317,7 +318,7 @@
       </p:sp>
       <p:sp>
         <p:nvSpPr>
-          <p:cNvPr id="6" name="Slide Number Placeholder 5"/>
+          <p:cNvPr id="6" name="投影片編號版面配置區 5"/>
           <p:cNvSpPr>
             <a:spLocks noGrp="1"/>
           </p:cNvSpPr>
@@ -332,6 +333,7 @@
           <a:p>
             <a:fld id="{B47E861D-C63D-4D69-87A1-D4F5406003FF}" type="slidenum">
               <a:rPr lang="en-US" smtClean="0"/>
+              <a:pPr/>
               <a:t>‹#›</a:t>
             </a:fld>
             <a:endParaRPr lang="en-US"/>
@@ -339,11 +341,6 @@
         </p:txBody>
       </p:sp>
     </p:spTree>
-    <p:extLst>
-      <p:ext uri="{BB962C8B-B14F-4D97-AF65-F5344CB8AC3E}">
-        <p14:creationId xmlns:p14="http://schemas.microsoft.com/office/powerpoint/2010/main" val="645882270"/>
-      </p:ext>
-    </p:extLst>
   </p:cSld>
   <p:clrMapOvr>
     <a:masterClrMapping/>
@@ -353,7 +350,7 @@
 
 <file path=ppt/slideLayouts/slideLayout10.xml><?xml version="1.0" encoding="utf-8"?>
 <p:sldLayout xmlns:a="http://schemas.openxmlformats.org/drawingml/2006/main" xmlns:r="http://schemas.openxmlformats.org/officeDocument/2006/relationships" xmlns:p="http://schemas.openxmlformats.org/presentationml/2006/main" type="vertTx" preserve="1">
-  <p:cSld name="Title and Vertical Text">
+  <p:cSld name="標題及直排文字">
     <p:spTree>
       <p:nvGrpSpPr>
         <p:cNvPr id="1" name=""/>
@@ -370,7 +367,7 @@
       </p:grpSpPr>
       <p:sp>
         <p:nvSpPr>
-          <p:cNvPr id="2" name="Title 1"/>
+          <p:cNvPr id="2" name="標題 1"/>
           <p:cNvSpPr>
             <a:spLocks noGrp="1"/>
           </p:cNvSpPr>
@@ -384,16 +381,16 @@
           <a:lstStyle/>
           <a:p>
             <a:r>
-              <a:rPr lang="en-US" smtClean="0"/>
-              <a:t>Click to edit Master title style</a:t>
-            </a:r>
-            <a:endParaRPr lang="en-US"/>
-          </a:p>
-        </p:txBody>
-      </p:sp>
-      <p:sp>
-        <p:nvSpPr>
-          <p:cNvPr id="3" name="Vertical Text Placeholder 2"/>
+              <a:rPr lang="zh-TW" altLang="en-US" smtClean="0"/>
+              <a:t>按一下以編輯母片標題樣式</a:t>
+            </a:r>
+            <a:endParaRPr lang="zh-TW" altLang="en-US"/>
+          </a:p>
+        </p:txBody>
+      </p:sp>
+      <p:sp>
+        <p:nvSpPr>
+          <p:cNvPr id="3" name="直排文字版面配置區 2"/>
           <p:cNvSpPr>
             <a:spLocks noGrp="1"/>
           </p:cNvSpPr>
@@ -408,44 +405,44 @@
           <a:p>
             <a:pPr lvl="0"/>
             <a:r>
-              <a:rPr lang="en-US" smtClean="0"/>
-              <a:t>Click to edit Master text styles</a:t>
+              <a:rPr lang="zh-TW" altLang="en-US" smtClean="0"/>
+              <a:t>按一下以編輯母片文字樣式</a:t>
             </a:r>
           </a:p>
           <a:p>
             <a:pPr lvl="1"/>
             <a:r>
-              <a:rPr lang="en-US" smtClean="0"/>
-              <a:t>Second level</a:t>
+              <a:rPr lang="zh-TW" altLang="en-US" smtClean="0"/>
+              <a:t>第二層</a:t>
             </a:r>
           </a:p>
           <a:p>
             <a:pPr lvl="2"/>
             <a:r>
-              <a:rPr lang="en-US" smtClean="0"/>
-              <a:t>Third level</a:t>
+              <a:rPr lang="zh-TW" altLang="en-US" smtClean="0"/>
+              <a:t>第三層</a:t>
             </a:r>
           </a:p>
           <a:p>
             <a:pPr lvl="3"/>
             <a:r>
-              <a:rPr lang="en-US" smtClean="0"/>
-              <a:t>Fourth level</a:t>
+              <a:rPr lang="zh-TW" altLang="en-US" smtClean="0"/>
+              <a:t>第四層</a:t>
             </a:r>
           </a:p>
           <a:p>
             <a:pPr lvl="4"/>
             <a:r>
-              <a:rPr lang="en-US" smtClean="0"/>
-              <a:t>Fifth level</a:t>
-            </a:r>
-            <a:endParaRPr lang="en-US"/>
-          </a:p>
-        </p:txBody>
-      </p:sp>
-      <p:sp>
-        <p:nvSpPr>
-          <p:cNvPr id="4" name="Date Placeholder 3"/>
+              <a:rPr lang="zh-TW" altLang="en-US" smtClean="0"/>
+              <a:t>第五層</a:t>
+            </a:r>
+            <a:endParaRPr lang="zh-TW" altLang="en-US"/>
+          </a:p>
+        </p:txBody>
+      </p:sp>
+      <p:sp>
+        <p:nvSpPr>
+          <p:cNvPr id="4" name="日期版面配置區 3"/>
           <p:cNvSpPr>
             <a:spLocks noGrp="1"/>
           </p:cNvSpPr>
@@ -460,7 +457,8 @@
           <a:p>
             <a:fld id="{D792ABAC-BF4C-4256-9FBE-7324EDD8265A}" type="datetimeFigureOut">
               <a:rPr lang="en-US" smtClean="0"/>
-              <a:t>1/5/2019</a:t>
+              <a:pPr/>
+              <a:t>1/6/2019</a:t>
             </a:fld>
             <a:endParaRPr lang="en-US"/>
           </a:p>
@@ -468,7 +466,7 @@
       </p:sp>
       <p:sp>
         <p:nvSpPr>
-          <p:cNvPr id="5" name="Footer Placeholder 4"/>
+          <p:cNvPr id="5" name="頁尾版面配置區 4"/>
           <p:cNvSpPr>
             <a:spLocks noGrp="1"/>
           </p:cNvSpPr>
@@ -487,7 +485,7 @@
       </p:sp>
       <p:sp>
         <p:nvSpPr>
-          <p:cNvPr id="6" name="Slide Number Placeholder 5"/>
+          <p:cNvPr id="6" name="投影片編號版面配置區 5"/>
           <p:cNvSpPr>
             <a:spLocks noGrp="1"/>
           </p:cNvSpPr>
@@ -502,6 +500,7 @@
           <a:p>
             <a:fld id="{B47E861D-C63D-4D69-87A1-D4F5406003FF}" type="slidenum">
               <a:rPr lang="en-US" smtClean="0"/>
+              <a:pPr/>
               <a:t>‹#›</a:t>
             </a:fld>
             <a:endParaRPr lang="en-US"/>
@@ -509,11 +508,6 @@
         </p:txBody>
       </p:sp>
     </p:spTree>
-    <p:extLst>
-      <p:ext uri="{BB962C8B-B14F-4D97-AF65-F5344CB8AC3E}">
-        <p14:creationId xmlns:p14="http://schemas.microsoft.com/office/powerpoint/2010/main" val="2460755155"/>
-      </p:ext>
-    </p:extLst>
   </p:cSld>
   <p:clrMapOvr>
     <a:masterClrMapping/>
@@ -523,7 +517,7 @@
 
 <file path=ppt/slideLayouts/slideLayout11.xml><?xml version="1.0" encoding="utf-8"?>
 <p:sldLayout xmlns:a="http://schemas.openxmlformats.org/drawingml/2006/main" xmlns:r="http://schemas.openxmlformats.org/officeDocument/2006/relationships" xmlns:p="http://schemas.openxmlformats.org/presentationml/2006/main" type="vertTitleAndTx" preserve="1">
-  <p:cSld name="Vertical Title and Text">
+  <p:cSld name="直排標題及文字">
     <p:spTree>
       <p:nvGrpSpPr>
         <p:cNvPr id="1" name=""/>
@@ -540,7 +534,7 @@
       </p:grpSpPr>
       <p:sp>
         <p:nvSpPr>
-          <p:cNvPr id="2" name="Vertical Title 1"/>
+          <p:cNvPr id="2" name="直排標題 1"/>
           <p:cNvSpPr>
             <a:spLocks noGrp="1"/>
           </p:cNvSpPr>
@@ -559,16 +553,16 @@
           <a:lstStyle/>
           <a:p>
             <a:r>
-              <a:rPr lang="en-US" smtClean="0"/>
-              <a:t>Click to edit Master title style</a:t>
-            </a:r>
-            <a:endParaRPr lang="en-US"/>
-          </a:p>
-        </p:txBody>
-      </p:sp>
-      <p:sp>
-        <p:nvSpPr>
-          <p:cNvPr id="3" name="Vertical Text Placeholder 2"/>
+              <a:rPr lang="zh-TW" altLang="en-US" smtClean="0"/>
+              <a:t>按一下以編輯母片標題樣式</a:t>
+            </a:r>
+            <a:endParaRPr lang="zh-TW" altLang="en-US"/>
+          </a:p>
+        </p:txBody>
+      </p:sp>
+      <p:sp>
+        <p:nvSpPr>
+          <p:cNvPr id="3" name="直排文字版面配置區 2"/>
           <p:cNvSpPr>
             <a:spLocks noGrp="1"/>
           </p:cNvSpPr>
@@ -588,44 +582,44 @@
           <a:p>
             <a:pPr lvl="0"/>
             <a:r>
-              <a:rPr lang="en-US" smtClean="0"/>
-              <a:t>Click to edit Master text styles</a:t>
+              <a:rPr lang="zh-TW" altLang="en-US" smtClean="0"/>
+              <a:t>按一下以編輯母片文字樣式</a:t>
             </a:r>
           </a:p>
           <a:p>
             <a:pPr lvl="1"/>
             <a:r>
-              <a:rPr lang="en-US" smtClean="0"/>
-              <a:t>Second level</a:t>
+              <a:rPr lang="zh-TW" altLang="en-US" smtClean="0"/>
+              <a:t>第二層</a:t>
             </a:r>
           </a:p>
           <a:p>
             <a:pPr lvl="2"/>
             <a:r>
-              <a:rPr lang="en-US" smtClean="0"/>
-              <a:t>Third level</a:t>
+              <a:rPr lang="zh-TW" altLang="en-US" smtClean="0"/>
+              <a:t>第三層</a:t>
             </a:r>
           </a:p>
           <a:p>
             <a:pPr lvl="3"/>
             <a:r>
-              <a:rPr lang="en-US" smtClean="0"/>
-              <a:t>Fourth level</a:t>
+              <a:rPr lang="zh-TW" altLang="en-US" smtClean="0"/>
+              <a:t>第四層</a:t>
             </a:r>
           </a:p>
           <a:p>
             <a:pPr lvl="4"/>
             <a:r>
-              <a:rPr lang="en-US" smtClean="0"/>
-              <a:t>Fifth level</a:t>
-            </a:r>
-            <a:endParaRPr lang="en-US"/>
-          </a:p>
-        </p:txBody>
-      </p:sp>
-      <p:sp>
-        <p:nvSpPr>
-          <p:cNvPr id="4" name="Date Placeholder 3"/>
+              <a:rPr lang="zh-TW" altLang="en-US" smtClean="0"/>
+              <a:t>第五層</a:t>
+            </a:r>
+            <a:endParaRPr lang="zh-TW" altLang="en-US"/>
+          </a:p>
+        </p:txBody>
+      </p:sp>
+      <p:sp>
+        <p:nvSpPr>
+          <p:cNvPr id="4" name="日期版面配置區 3"/>
           <p:cNvSpPr>
             <a:spLocks noGrp="1"/>
           </p:cNvSpPr>
@@ -640,7 +634,8 @@
           <a:p>
             <a:fld id="{D792ABAC-BF4C-4256-9FBE-7324EDD8265A}" type="datetimeFigureOut">
               <a:rPr lang="en-US" smtClean="0"/>
-              <a:t>1/5/2019</a:t>
+              <a:pPr/>
+              <a:t>1/6/2019</a:t>
             </a:fld>
             <a:endParaRPr lang="en-US"/>
           </a:p>
@@ -648,7 +643,7 @@
       </p:sp>
       <p:sp>
         <p:nvSpPr>
-          <p:cNvPr id="5" name="Footer Placeholder 4"/>
+          <p:cNvPr id="5" name="頁尾版面配置區 4"/>
           <p:cNvSpPr>
             <a:spLocks noGrp="1"/>
           </p:cNvSpPr>
@@ -667,7 +662,7 @@
       </p:sp>
       <p:sp>
         <p:nvSpPr>
-          <p:cNvPr id="6" name="Slide Number Placeholder 5"/>
+          <p:cNvPr id="6" name="投影片編號版面配置區 5"/>
           <p:cNvSpPr>
             <a:spLocks noGrp="1"/>
           </p:cNvSpPr>
@@ -682,6 +677,7 @@
           <a:p>
             <a:fld id="{B47E861D-C63D-4D69-87A1-D4F5406003FF}" type="slidenum">
               <a:rPr lang="en-US" smtClean="0"/>
+              <a:pPr/>
               <a:t>‹#›</a:t>
             </a:fld>
             <a:endParaRPr lang="en-US"/>
@@ -689,11 +685,6 @@
         </p:txBody>
       </p:sp>
     </p:spTree>
-    <p:extLst>
-      <p:ext uri="{BB962C8B-B14F-4D97-AF65-F5344CB8AC3E}">
-        <p14:creationId xmlns:p14="http://schemas.microsoft.com/office/powerpoint/2010/main" val="1341564433"/>
-      </p:ext>
-    </p:extLst>
   </p:cSld>
   <p:clrMapOvr>
     <a:masterClrMapping/>
@@ -703,7 +694,7 @@
 
 <file path=ppt/slideLayouts/slideLayout2.xml><?xml version="1.0" encoding="utf-8"?>
 <p:sldLayout xmlns:a="http://schemas.openxmlformats.org/drawingml/2006/main" xmlns:r="http://schemas.openxmlformats.org/officeDocument/2006/relationships" xmlns:p="http://schemas.openxmlformats.org/presentationml/2006/main" type="obj" preserve="1">
-  <p:cSld name="Title and Content">
+  <p:cSld name="標題及物件">
     <p:spTree>
       <p:nvGrpSpPr>
         <p:cNvPr id="1" name=""/>
@@ -720,7 +711,7 @@
       </p:grpSpPr>
       <p:sp>
         <p:nvSpPr>
-          <p:cNvPr id="2" name="Title 1"/>
+          <p:cNvPr id="2" name="標題 1"/>
           <p:cNvSpPr>
             <a:spLocks noGrp="1"/>
           </p:cNvSpPr>
@@ -734,16 +725,16 @@
           <a:lstStyle/>
           <a:p>
             <a:r>
-              <a:rPr lang="en-US" smtClean="0"/>
-              <a:t>Click to edit Master title style</a:t>
-            </a:r>
-            <a:endParaRPr lang="en-US"/>
-          </a:p>
-        </p:txBody>
-      </p:sp>
-      <p:sp>
-        <p:nvSpPr>
-          <p:cNvPr id="3" name="Content Placeholder 2"/>
+              <a:rPr lang="zh-TW" altLang="en-US" smtClean="0"/>
+              <a:t>按一下以編輯母片標題樣式</a:t>
+            </a:r>
+            <a:endParaRPr lang="zh-TW" altLang="en-US"/>
+          </a:p>
+        </p:txBody>
+      </p:sp>
+      <p:sp>
+        <p:nvSpPr>
+          <p:cNvPr id="3" name="內容版面配置區 2"/>
           <p:cNvSpPr>
             <a:spLocks noGrp="1"/>
           </p:cNvSpPr>
@@ -758,44 +749,44 @@
           <a:p>
             <a:pPr lvl="0"/>
             <a:r>
-              <a:rPr lang="en-US" smtClean="0"/>
-              <a:t>Click to edit Master text styles</a:t>
+              <a:rPr lang="zh-TW" altLang="en-US" smtClean="0"/>
+              <a:t>按一下以編輯母片文字樣式</a:t>
             </a:r>
           </a:p>
           <a:p>
             <a:pPr lvl="1"/>
             <a:r>
-              <a:rPr lang="en-US" smtClean="0"/>
-              <a:t>Second level</a:t>
+              <a:rPr lang="zh-TW" altLang="en-US" smtClean="0"/>
+              <a:t>第二層</a:t>
             </a:r>
           </a:p>
           <a:p>
             <a:pPr lvl="2"/>
             <a:r>
-              <a:rPr lang="en-US" smtClean="0"/>
-              <a:t>Third level</a:t>
+              <a:rPr lang="zh-TW" altLang="en-US" smtClean="0"/>
+              <a:t>第三層</a:t>
             </a:r>
           </a:p>
           <a:p>
             <a:pPr lvl="3"/>
             <a:r>
-              <a:rPr lang="en-US" smtClean="0"/>
-              <a:t>Fourth level</a:t>
+              <a:rPr lang="zh-TW" altLang="en-US" smtClean="0"/>
+              <a:t>第四層</a:t>
             </a:r>
           </a:p>
           <a:p>
             <a:pPr lvl="4"/>
             <a:r>
-              <a:rPr lang="en-US" smtClean="0"/>
-              <a:t>Fifth level</a:t>
-            </a:r>
-            <a:endParaRPr lang="en-US"/>
-          </a:p>
-        </p:txBody>
-      </p:sp>
-      <p:sp>
-        <p:nvSpPr>
-          <p:cNvPr id="4" name="Date Placeholder 3"/>
+              <a:rPr lang="zh-TW" altLang="en-US" smtClean="0"/>
+              <a:t>第五層</a:t>
+            </a:r>
+            <a:endParaRPr lang="zh-TW" altLang="en-US"/>
+          </a:p>
+        </p:txBody>
+      </p:sp>
+      <p:sp>
+        <p:nvSpPr>
+          <p:cNvPr id="4" name="日期版面配置區 3"/>
           <p:cNvSpPr>
             <a:spLocks noGrp="1"/>
           </p:cNvSpPr>
@@ -810,7 +801,8 @@
           <a:p>
             <a:fld id="{D792ABAC-BF4C-4256-9FBE-7324EDD8265A}" type="datetimeFigureOut">
               <a:rPr lang="en-US" smtClean="0"/>
-              <a:t>1/5/2019</a:t>
+              <a:pPr/>
+              <a:t>1/6/2019</a:t>
             </a:fld>
             <a:endParaRPr lang="en-US"/>
           </a:p>
@@ -818,7 +810,7 @@
       </p:sp>
       <p:sp>
         <p:nvSpPr>
-          <p:cNvPr id="5" name="Footer Placeholder 4"/>
+          <p:cNvPr id="5" name="頁尾版面配置區 4"/>
           <p:cNvSpPr>
             <a:spLocks noGrp="1"/>
           </p:cNvSpPr>
@@ -837,7 +829,7 @@
       </p:sp>
       <p:sp>
         <p:nvSpPr>
-          <p:cNvPr id="6" name="Slide Number Placeholder 5"/>
+          <p:cNvPr id="6" name="投影片編號版面配置區 5"/>
           <p:cNvSpPr>
             <a:spLocks noGrp="1"/>
           </p:cNvSpPr>
@@ -852,6 +844,7 @@
           <a:p>
             <a:fld id="{B47E861D-C63D-4D69-87A1-D4F5406003FF}" type="slidenum">
               <a:rPr lang="en-US" smtClean="0"/>
+              <a:pPr/>
               <a:t>‹#›</a:t>
             </a:fld>
             <a:endParaRPr lang="en-US"/>
@@ -859,11 +852,6 @@
         </p:txBody>
       </p:sp>
     </p:spTree>
-    <p:extLst>
-      <p:ext uri="{BB962C8B-B14F-4D97-AF65-F5344CB8AC3E}">
-        <p14:creationId xmlns:p14="http://schemas.microsoft.com/office/powerpoint/2010/main" val="1190205828"/>
-      </p:ext>
-    </p:extLst>
   </p:cSld>
   <p:clrMapOvr>
     <a:masterClrMapping/>
@@ -873,7 +861,7 @@
 
 <file path=ppt/slideLayouts/slideLayout3.xml><?xml version="1.0" encoding="utf-8"?>
 <p:sldLayout xmlns:a="http://schemas.openxmlformats.org/drawingml/2006/main" xmlns:r="http://schemas.openxmlformats.org/officeDocument/2006/relationships" xmlns:p="http://schemas.openxmlformats.org/presentationml/2006/main" type="secHead" preserve="1">
-  <p:cSld name="Section Header">
+  <p:cSld name="區段標題">
     <p:spTree>
       <p:nvGrpSpPr>
         <p:cNvPr id="1" name=""/>
@@ -890,7 +878,7 @@
       </p:grpSpPr>
       <p:sp>
         <p:nvSpPr>
-          <p:cNvPr id="2" name="Title 1"/>
+          <p:cNvPr id="2" name="標題 1"/>
           <p:cNvSpPr>
             <a:spLocks noGrp="1"/>
           </p:cNvSpPr>
@@ -913,16 +901,16 @@
           </a:lstStyle>
           <a:p>
             <a:r>
-              <a:rPr lang="en-US" smtClean="0"/>
-              <a:t>Click to edit Master title style</a:t>
-            </a:r>
-            <a:endParaRPr lang="en-US"/>
-          </a:p>
-        </p:txBody>
-      </p:sp>
-      <p:sp>
-        <p:nvSpPr>
-          <p:cNvPr id="3" name="Text Placeholder 2"/>
+              <a:rPr lang="zh-TW" altLang="en-US" smtClean="0"/>
+              <a:t>按一下以編輯母片標題樣式</a:t>
+            </a:r>
+            <a:endParaRPr lang="zh-TW" altLang="en-US"/>
+          </a:p>
+        </p:txBody>
+      </p:sp>
+      <p:sp>
+        <p:nvSpPr>
+          <p:cNvPr id="3" name="文字版面配置區 2"/>
           <p:cNvSpPr>
             <a:spLocks noGrp="1"/>
           </p:cNvSpPr>
@@ -1033,15 +1021,15 @@
           <a:p>
             <a:pPr lvl="0"/>
             <a:r>
-              <a:rPr lang="en-US" smtClean="0"/>
-              <a:t>Click to edit Master text styles</a:t>
-            </a:r>
-          </a:p>
-        </p:txBody>
-      </p:sp>
-      <p:sp>
-        <p:nvSpPr>
-          <p:cNvPr id="4" name="Date Placeholder 3"/>
+              <a:rPr lang="zh-TW" altLang="en-US" smtClean="0"/>
+              <a:t>按一下以編輯母片文字樣式</a:t>
+            </a:r>
+          </a:p>
+        </p:txBody>
+      </p:sp>
+      <p:sp>
+        <p:nvSpPr>
+          <p:cNvPr id="4" name="日期版面配置區 3"/>
           <p:cNvSpPr>
             <a:spLocks noGrp="1"/>
           </p:cNvSpPr>
@@ -1056,7 +1044,8 @@
           <a:p>
             <a:fld id="{D792ABAC-BF4C-4256-9FBE-7324EDD8265A}" type="datetimeFigureOut">
               <a:rPr lang="en-US" smtClean="0"/>
-              <a:t>1/5/2019</a:t>
+              <a:pPr/>
+              <a:t>1/6/2019</a:t>
             </a:fld>
             <a:endParaRPr lang="en-US"/>
           </a:p>
@@ -1064,7 +1053,7 @@
       </p:sp>
       <p:sp>
         <p:nvSpPr>
-          <p:cNvPr id="5" name="Footer Placeholder 4"/>
+          <p:cNvPr id="5" name="頁尾版面配置區 4"/>
           <p:cNvSpPr>
             <a:spLocks noGrp="1"/>
           </p:cNvSpPr>
@@ -1083,7 +1072,7 @@
       </p:sp>
       <p:sp>
         <p:nvSpPr>
-          <p:cNvPr id="6" name="Slide Number Placeholder 5"/>
+          <p:cNvPr id="6" name="投影片編號版面配置區 5"/>
           <p:cNvSpPr>
             <a:spLocks noGrp="1"/>
           </p:cNvSpPr>
@@ -1098,6 +1087,7 @@
           <a:p>
             <a:fld id="{B47E861D-C63D-4D69-87A1-D4F5406003FF}" type="slidenum">
               <a:rPr lang="en-US" smtClean="0"/>
+              <a:pPr/>
               <a:t>‹#›</a:t>
             </a:fld>
             <a:endParaRPr lang="en-US"/>
@@ -1105,11 +1095,6 @@
         </p:txBody>
       </p:sp>
     </p:spTree>
-    <p:extLst>
-      <p:ext uri="{BB962C8B-B14F-4D97-AF65-F5344CB8AC3E}">
-        <p14:creationId xmlns:p14="http://schemas.microsoft.com/office/powerpoint/2010/main" val="3476238305"/>
-      </p:ext>
-    </p:extLst>
   </p:cSld>
   <p:clrMapOvr>
     <a:masterClrMapping/>
@@ -1119,7 +1104,7 @@
 
 <file path=ppt/slideLayouts/slideLayout4.xml><?xml version="1.0" encoding="utf-8"?>
 <p:sldLayout xmlns:a="http://schemas.openxmlformats.org/drawingml/2006/main" xmlns:r="http://schemas.openxmlformats.org/officeDocument/2006/relationships" xmlns:p="http://schemas.openxmlformats.org/presentationml/2006/main" type="twoObj" preserve="1">
-  <p:cSld name="Two Content">
+  <p:cSld name="兩項物件">
     <p:spTree>
       <p:nvGrpSpPr>
         <p:cNvPr id="1" name=""/>
@@ -1136,7 +1121,7 @@
       </p:grpSpPr>
       <p:sp>
         <p:nvSpPr>
-          <p:cNvPr id="2" name="Title 1"/>
+          <p:cNvPr id="2" name="標題 1"/>
           <p:cNvSpPr>
             <a:spLocks noGrp="1"/>
           </p:cNvSpPr>
@@ -1150,16 +1135,16 @@
           <a:lstStyle/>
           <a:p>
             <a:r>
-              <a:rPr lang="en-US" smtClean="0"/>
-              <a:t>Click to edit Master title style</a:t>
-            </a:r>
-            <a:endParaRPr lang="en-US"/>
-          </a:p>
-        </p:txBody>
-      </p:sp>
-      <p:sp>
-        <p:nvSpPr>
-          <p:cNvPr id="3" name="Content Placeholder 2"/>
+              <a:rPr lang="zh-TW" altLang="en-US" smtClean="0"/>
+              <a:t>按一下以編輯母片標題樣式</a:t>
+            </a:r>
+            <a:endParaRPr lang="zh-TW" altLang="en-US"/>
+          </a:p>
+        </p:txBody>
+      </p:sp>
+      <p:sp>
+        <p:nvSpPr>
+          <p:cNvPr id="3" name="內容版面配置區 2"/>
           <p:cNvSpPr>
             <a:spLocks noGrp="1"/>
           </p:cNvSpPr>
@@ -1207,44 +1192,44 @@
           <a:p>
             <a:pPr lvl="0"/>
             <a:r>
-              <a:rPr lang="en-US" smtClean="0"/>
-              <a:t>Click to edit Master text styles</a:t>
+              <a:rPr lang="zh-TW" altLang="en-US" smtClean="0"/>
+              <a:t>按一下以編輯母片文字樣式</a:t>
             </a:r>
           </a:p>
           <a:p>
             <a:pPr lvl="1"/>
             <a:r>
-              <a:rPr lang="en-US" smtClean="0"/>
-              <a:t>Second level</a:t>
+              <a:rPr lang="zh-TW" altLang="en-US" smtClean="0"/>
+              <a:t>第二層</a:t>
             </a:r>
           </a:p>
           <a:p>
             <a:pPr lvl="2"/>
             <a:r>
-              <a:rPr lang="en-US" smtClean="0"/>
-              <a:t>Third level</a:t>
+              <a:rPr lang="zh-TW" altLang="en-US" smtClean="0"/>
+              <a:t>第三層</a:t>
             </a:r>
           </a:p>
           <a:p>
             <a:pPr lvl="3"/>
             <a:r>
-              <a:rPr lang="en-US" smtClean="0"/>
-              <a:t>Fourth level</a:t>
+              <a:rPr lang="zh-TW" altLang="en-US" smtClean="0"/>
+              <a:t>第四層</a:t>
             </a:r>
           </a:p>
           <a:p>
             <a:pPr lvl="4"/>
             <a:r>
-              <a:rPr lang="en-US" smtClean="0"/>
-              <a:t>Fifth level</a:t>
-            </a:r>
-            <a:endParaRPr lang="en-US"/>
-          </a:p>
-        </p:txBody>
-      </p:sp>
-      <p:sp>
-        <p:nvSpPr>
-          <p:cNvPr id="4" name="Content Placeholder 3"/>
+              <a:rPr lang="zh-TW" altLang="en-US" smtClean="0"/>
+              <a:t>第五層</a:t>
+            </a:r>
+            <a:endParaRPr lang="zh-TW" altLang="en-US"/>
+          </a:p>
+        </p:txBody>
+      </p:sp>
+      <p:sp>
+        <p:nvSpPr>
+          <p:cNvPr id="4" name="內容版面配置區 3"/>
           <p:cNvSpPr>
             <a:spLocks noGrp="1"/>
           </p:cNvSpPr>
@@ -1292,44 +1277,44 @@
           <a:p>
             <a:pPr lvl="0"/>
             <a:r>
-              <a:rPr lang="en-US" smtClean="0"/>
-              <a:t>Click to edit Master text styles</a:t>
+              <a:rPr lang="zh-TW" altLang="en-US" smtClean="0"/>
+              <a:t>按一下以編輯母片文字樣式</a:t>
             </a:r>
           </a:p>
           <a:p>
             <a:pPr lvl="1"/>
             <a:r>
-              <a:rPr lang="en-US" smtClean="0"/>
-              <a:t>Second level</a:t>
+              <a:rPr lang="zh-TW" altLang="en-US" smtClean="0"/>
+              <a:t>第二層</a:t>
             </a:r>
           </a:p>
           <a:p>
             <a:pPr lvl="2"/>
             <a:r>
-              <a:rPr lang="en-US" smtClean="0"/>
-              <a:t>Third level</a:t>
+              <a:rPr lang="zh-TW" altLang="en-US" smtClean="0"/>
+              <a:t>第三層</a:t>
             </a:r>
           </a:p>
           <a:p>
             <a:pPr lvl="3"/>
             <a:r>
-              <a:rPr lang="en-US" smtClean="0"/>
-              <a:t>Fourth level</a:t>
+              <a:rPr lang="zh-TW" altLang="en-US" smtClean="0"/>
+              <a:t>第四層</a:t>
             </a:r>
           </a:p>
           <a:p>
             <a:pPr lvl="4"/>
             <a:r>
-              <a:rPr lang="en-US" smtClean="0"/>
-              <a:t>Fifth level</a:t>
-            </a:r>
-            <a:endParaRPr lang="en-US"/>
-          </a:p>
-        </p:txBody>
-      </p:sp>
-      <p:sp>
-        <p:nvSpPr>
-          <p:cNvPr id="5" name="Date Placeholder 4"/>
+              <a:rPr lang="zh-TW" altLang="en-US" smtClean="0"/>
+              <a:t>第五層</a:t>
+            </a:r>
+            <a:endParaRPr lang="zh-TW" altLang="en-US"/>
+          </a:p>
+        </p:txBody>
+      </p:sp>
+      <p:sp>
+        <p:nvSpPr>
+          <p:cNvPr id="5" name="日期版面配置區 4"/>
           <p:cNvSpPr>
             <a:spLocks noGrp="1"/>
           </p:cNvSpPr>
@@ -1344,7 +1329,8 @@
           <a:p>
             <a:fld id="{D792ABAC-BF4C-4256-9FBE-7324EDD8265A}" type="datetimeFigureOut">
               <a:rPr lang="en-US" smtClean="0"/>
-              <a:t>1/5/2019</a:t>
+              <a:pPr/>
+              <a:t>1/6/2019</a:t>
             </a:fld>
             <a:endParaRPr lang="en-US"/>
           </a:p>
@@ -1352,7 +1338,7 @@
       </p:sp>
       <p:sp>
         <p:nvSpPr>
-          <p:cNvPr id="6" name="Footer Placeholder 5"/>
+          <p:cNvPr id="6" name="頁尾版面配置區 5"/>
           <p:cNvSpPr>
             <a:spLocks noGrp="1"/>
           </p:cNvSpPr>
@@ -1371,7 +1357,7 @@
       </p:sp>
       <p:sp>
         <p:nvSpPr>
-          <p:cNvPr id="7" name="Slide Number Placeholder 6"/>
+          <p:cNvPr id="7" name="投影片編號版面配置區 6"/>
           <p:cNvSpPr>
             <a:spLocks noGrp="1"/>
           </p:cNvSpPr>
@@ -1386,6 +1372,7 @@
           <a:p>
             <a:fld id="{B47E861D-C63D-4D69-87A1-D4F5406003FF}" type="slidenum">
               <a:rPr lang="en-US" smtClean="0"/>
+              <a:pPr/>
               <a:t>‹#›</a:t>
             </a:fld>
             <a:endParaRPr lang="en-US"/>
@@ -1393,11 +1380,6 @@
         </p:txBody>
       </p:sp>
     </p:spTree>
-    <p:extLst>
-      <p:ext uri="{BB962C8B-B14F-4D97-AF65-F5344CB8AC3E}">
-        <p14:creationId xmlns:p14="http://schemas.microsoft.com/office/powerpoint/2010/main" val="1232710152"/>
-      </p:ext>
-    </p:extLst>
   </p:cSld>
   <p:clrMapOvr>
     <a:masterClrMapping/>
@@ -1407,7 +1389,7 @@
 
 <file path=ppt/slideLayouts/slideLayout5.xml><?xml version="1.0" encoding="utf-8"?>
 <p:sldLayout xmlns:a="http://schemas.openxmlformats.org/drawingml/2006/main" xmlns:r="http://schemas.openxmlformats.org/officeDocument/2006/relationships" xmlns:p="http://schemas.openxmlformats.org/presentationml/2006/main" type="twoTxTwoObj" preserve="1">
-  <p:cSld name="Comparison">
+  <p:cSld name="比對">
     <p:spTree>
       <p:nvGrpSpPr>
         <p:cNvPr id="1" name=""/>
@@ -1424,7 +1406,7 @@
       </p:grpSpPr>
       <p:sp>
         <p:nvSpPr>
-          <p:cNvPr id="2" name="Title 1"/>
+          <p:cNvPr id="2" name="標題 1"/>
           <p:cNvSpPr>
             <a:spLocks noGrp="1"/>
           </p:cNvSpPr>
@@ -1442,16 +1424,16 @@
           </a:lstStyle>
           <a:p>
             <a:r>
-              <a:rPr lang="en-US" smtClean="0"/>
-              <a:t>Click to edit Master title style</a:t>
-            </a:r>
-            <a:endParaRPr lang="en-US"/>
-          </a:p>
-        </p:txBody>
-      </p:sp>
-      <p:sp>
-        <p:nvSpPr>
-          <p:cNvPr id="3" name="Text Placeholder 2"/>
+              <a:rPr lang="zh-TW" altLang="en-US" smtClean="0"/>
+              <a:t>按一下以編輯母片標題樣式</a:t>
+            </a:r>
+            <a:endParaRPr lang="zh-TW" altLang="en-US"/>
+          </a:p>
+        </p:txBody>
+      </p:sp>
+      <p:sp>
+        <p:nvSpPr>
+          <p:cNvPr id="3" name="文字版面配置區 2"/>
           <p:cNvSpPr>
             <a:spLocks noGrp="1"/>
           </p:cNvSpPr>
@@ -1508,15 +1490,15 @@
           <a:p>
             <a:pPr lvl="0"/>
             <a:r>
-              <a:rPr lang="en-US" smtClean="0"/>
-              <a:t>Click to edit Master text styles</a:t>
-            </a:r>
-          </a:p>
-        </p:txBody>
-      </p:sp>
-      <p:sp>
-        <p:nvSpPr>
-          <p:cNvPr id="4" name="Content Placeholder 3"/>
+              <a:rPr lang="zh-TW" altLang="en-US" smtClean="0"/>
+              <a:t>按一下以編輯母片文字樣式</a:t>
+            </a:r>
+          </a:p>
+        </p:txBody>
+      </p:sp>
+      <p:sp>
+        <p:nvSpPr>
+          <p:cNvPr id="4" name="內容版面配置區 3"/>
           <p:cNvSpPr>
             <a:spLocks noGrp="1"/>
           </p:cNvSpPr>
@@ -1564,44 +1546,44 @@
           <a:p>
             <a:pPr lvl="0"/>
             <a:r>
-              <a:rPr lang="en-US" smtClean="0"/>
-              <a:t>Click to edit Master text styles</a:t>
+              <a:rPr lang="zh-TW" altLang="en-US" smtClean="0"/>
+              <a:t>按一下以編輯母片文字樣式</a:t>
             </a:r>
           </a:p>
           <a:p>
             <a:pPr lvl="1"/>
             <a:r>
-              <a:rPr lang="en-US" smtClean="0"/>
-              <a:t>Second level</a:t>
+              <a:rPr lang="zh-TW" altLang="en-US" smtClean="0"/>
+              <a:t>第二層</a:t>
             </a:r>
           </a:p>
           <a:p>
             <a:pPr lvl="2"/>
             <a:r>
-              <a:rPr lang="en-US" smtClean="0"/>
-              <a:t>Third level</a:t>
+              <a:rPr lang="zh-TW" altLang="en-US" smtClean="0"/>
+              <a:t>第三層</a:t>
             </a:r>
           </a:p>
           <a:p>
             <a:pPr lvl="3"/>
             <a:r>
-              <a:rPr lang="en-US" smtClean="0"/>
-              <a:t>Fourth level</a:t>
+              <a:rPr lang="zh-TW" altLang="en-US" smtClean="0"/>
+              <a:t>第四層</a:t>
             </a:r>
           </a:p>
           <a:p>
             <a:pPr lvl="4"/>
             <a:r>
-              <a:rPr lang="en-US" smtClean="0"/>
-              <a:t>Fifth level</a:t>
-            </a:r>
-            <a:endParaRPr lang="en-US"/>
-          </a:p>
-        </p:txBody>
-      </p:sp>
-      <p:sp>
-        <p:nvSpPr>
-          <p:cNvPr id="5" name="Text Placeholder 4"/>
+              <a:rPr lang="zh-TW" altLang="en-US" smtClean="0"/>
+              <a:t>第五層</a:t>
+            </a:r>
+            <a:endParaRPr lang="zh-TW" altLang="en-US"/>
+          </a:p>
+        </p:txBody>
+      </p:sp>
+      <p:sp>
+        <p:nvSpPr>
+          <p:cNvPr id="5" name="文字版面配置區 4"/>
           <p:cNvSpPr>
             <a:spLocks noGrp="1"/>
           </p:cNvSpPr>
@@ -1658,15 +1640,15 @@
           <a:p>
             <a:pPr lvl="0"/>
             <a:r>
-              <a:rPr lang="en-US" smtClean="0"/>
-              <a:t>Click to edit Master text styles</a:t>
-            </a:r>
-          </a:p>
-        </p:txBody>
-      </p:sp>
-      <p:sp>
-        <p:nvSpPr>
-          <p:cNvPr id="6" name="Content Placeholder 5"/>
+              <a:rPr lang="zh-TW" altLang="en-US" smtClean="0"/>
+              <a:t>按一下以編輯母片文字樣式</a:t>
+            </a:r>
+          </a:p>
+        </p:txBody>
+      </p:sp>
+      <p:sp>
+        <p:nvSpPr>
+          <p:cNvPr id="6" name="內容版面配置區 5"/>
           <p:cNvSpPr>
             <a:spLocks noGrp="1"/>
           </p:cNvSpPr>
@@ -1714,44 +1696,44 @@
           <a:p>
             <a:pPr lvl="0"/>
             <a:r>
-              <a:rPr lang="en-US" smtClean="0"/>
-              <a:t>Click to edit Master text styles</a:t>
+              <a:rPr lang="zh-TW" altLang="en-US" smtClean="0"/>
+              <a:t>按一下以編輯母片文字樣式</a:t>
             </a:r>
           </a:p>
           <a:p>
             <a:pPr lvl="1"/>
             <a:r>
-              <a:rPr lang="en-US" smtClean="0"/>
-              <a:t>Second level</a:t>
+              <a:rPr lang="zh-TW" altLang="en-US" smtClean="0"/>
+              <a:t>第二層</a:t>
             </a:r>
           </a:p>
           <a:p>
             <a:pPr lvl="2"/>
             <a:r>
-              <a:rPr lang="en-US" smtClean="0"/>
-              <a:t>Third level</a:t>
+              <a:rPr lang="zh-TW" altLang="en-US" smtClean="0"/>
+              <a:t>第三層</a:t>
             </a:r>
           </a:p>
           <a:p>
             <a:pPr lvl="3"/>
             <a:r>
-              <a:rPr lang="en-US" smtClean="0"/>
-              <a:t>Fourth level</a:t>
+              <a:rPr lang="zh-TW" altLang="en-US" smtClean="0"/>
+              <a:t>第四層</a:t>
             </a:r>
           </a:p>
           <a:p>
             <a:pPr lvl="4"/>
             <a:r>
-              <a:rPr lang="en-US" smtClean="0"/>
-              <a:t>Fifth level</a:t>
-            </a:r>
-            <a:endParaRPr lang="en-US"/>
-          </a:p>
-        </p:txBody>
-      </p:sp>
-      <p:sp>
-        <p:nvSpPr>
-          <p:cNvPr id="7" name="Date Placeholder 6"/>
+              <a:rPr lang="zh-TW" altLang="en-US" smtClean="0"/>
+              <a:t>第五層</a:t>
+            </a:r>
+            <a:endParaRPr lang="zh-TW" altLang="en-US"/>
+          </a:p>
+        </p:txBody>
+      </p:sp>
+      <p:sp>
+        <p:nvSpPr>
+          <p:cNvPr id="7" name="日期版面配置區 6"/>
           <p:cNvSpPr>
             <a:spLocks noGrp="1"/>
           </p:cNvSpPr>
@@ -1766,7 +1748,8 @@
           <a:p>
             <a:fld id="{D792ABAC-BF4C-4256-9FBE-7324EDD8265A}" type="datetimeFigureOut">
               <a:rPr lang="en-US" smtClean="0"/>
-              <a:t>1/5/2019</a:t>
+              <a:pPr/>
+              <a:t>1/6/2019</a:t>
             </a:fld>
             <a:endParaRPr lang="en-US"/>
           </a:p>
@@ -1774,7 +1757,7 @@
       </p:sp>
       <p:sp>
         <p:nvSpPr>
-          <p:cNvPr id="8" name="Footer Placeholder 7"/>
+          <p:cNvPr id="8" name="頁尾版面配置區 7"/>
           <p:cNvSpPr>
             <a:spLocks noGrp="1"/>
           </p:cNvSpPr>
@@ -1793,7 +1776,7 @@
       </p:sp>
       <p:sp>
         <p:nvSpPr>
-          <p:cNvPr id="9" name="Slide Number Placeholder 8"/>
+          <p:cNvPr id="9" name="投影片編號版面配置區 8"/>
           <p:cNvSpPr>
             <a:spLocks noGrp="1"/>
           </p:cNvSpPr>
@@ -1808,6 +1791,7 @@
           <a:p>
             <a:fld id="{B47E861D-C63D-4D69-87A1-D4F5406003FF}" type="slidenum">
               <a:rPr lang="en-US" smtClean="0"/>
+              <a:pPr/>
               <a:t>‹#›</a:t>
             </a:fld>
             <a:endParaRPr lang="en-US"/>
@@ -1815,11 +1799,6 @@
         </p:txBody>
       </p:sp>
     </p:spTree>
-    <p:extLst>
-      <p:ext uri="{BB962C8B-B14F-4D97-AF65-F5344CB8AC3E}">
-        <p14:creationId xmlns:p14="http://schemas.microsoft.com/office/powerpoint/2010/main" val="2675152191"/>
-      </p:ext>
-    </p:extLst>
   </p:cSld>
   <p:clrMapOvr>
     <a:masterClrMapping/>
@@ -1829,7 +1808,7 @@
 
 <file path=ppt/slideLayouts/slideLayout6.xml><?xml version="1.0" encoding="utf-8"?>
 <p:sldLayout xmlns:a="http://schemas.openxmlformats.org/drawingml/2006/main" xmlns:r="http://schemas.openxmlformats.org/officeDocument/2006/relationships" xmlns:p="http://schemas.openxmlformats.org/presentationml/2006/main" type="titleOnly" preserve="1">
-  <p:cSld name="Title Only">
+  <p:cSld name="只有標題">
     <p:spTree>
       <p:nvGrpSpPr>
         <p:cNvPr id="1" name=""/>
@@ -1846,7 +1825,7 @@
       </p:grpSpPr>
       <p:sp>
         <p:nvSpPr>
-          <p:cNvPr id="2" name="Title 1"/>
+          <p:cNvPr id="2" name="標題 1"/>
           <p:cNvSpPr>
             <a:spLocks noGrp="1"/>
           </p:cNvSpPr>
@@ -1860,16 +1839,16 @@
           <a:lstStyle/>
           <a:p>
             <a:r>
-              <a:rPr lang="en-US" smtClean="0"/>
-              <a:t>Click to edit Master title style</a:t>
-            </a:r>
-            <a:endParaRPr lang="en-US"/>
-          </a:p>
-        </p:txBody>
-      </p:sp>
-      <p:sp>
-        <p:nvSpPr>
-          <p:cNvPr id="3" name="Date Placeholder 2"/>
+              <a:rPr lang="zh-TW" altLang="en-US" smtClean="0"/>
+              <a:t>按一下以編輯母片標題樣式</a:t>
+            </a:r>
+            <a:endParaRPr lang="zh-TW" altLang="en-US"/>
+          </a:p>
+        </p:txBody>
+      </p:sp>
+      <p:sp>
+        <p:nvSpPr>
+          <p:cNvPr id="3" name="日期版面配置區 2"/>
           <p:cNvSpPr>
             <a:spLocks noGrp="1"/>
           </p:cNvSpPr>
@@ -1884,7 +1863,8 @@
           <a:p>
             <a:fld id="{D792ABAC-BF4C-4256-9FBE-7324EDD8265A}" type="datetimeFigureOut">
               <a:rPr lang="en-US" smtClean="0"/>
-              <a:t>1/5/2019</a:t>
+              <a:pPr/>
+              <a:t>1/6/2019</a:t>
             </a:fld>
             <a:endParaRPr lang="en-US"/>
           </a:p>
@@ -1892,7 +1872,7 @@
       </p:sp>
       <p:sp>
         <p:nvSpPr>
-          <p:cNvPr id="4" name="Footer Placeholder 3"/>
+          <p:cNvPr id="4" name="頁尾版面配置區 3"/>
           <p:cNvSpPr>
             <a:spLocks noGrp="1"/>
           </p:cNvSpPr>
@@ -1911,7 +1891,7 @@
       </p:sp>
       <p:sp>
         <p:nvSpPr>
-          <p:cNvPr id="5" name="Slide Number Placeholder 4"/>
+          <p:cNvPr id="5" name="投影片編號版面配置區 4"/>
           <p:cNvSpPr>
             <a:spLocks noGrp="1"/>
           </p:cNvSpPr>
@@ -1926,6 +1906,7 @@
           <a:p>
             <a:fld id="{B47E861D-C63D-4D69-87A1-D4F5406003FF}" type="slidenum">
               <a:rPr lang="en-US" smtClean="0"/>
+              <a:pPr/>
               <a:t>‹#›</a:t>
             </a:fld>
             <a:endParaRPr lang="en-US"/>
@@ -1933,11 +1914,6 @@
         </p:txBody>
       </p:sp>
     </p:spTree>
-    <p:extLst>
-      <p:ext uri="{BB962C8B-B14F-4D97-AF65-F5344CB8AC3E}">
-        <p14:creationId xmlns:p14="http://schemas.microsoft.com/office/powerpoint/2010/main" val="2088997672"/>
-      </p:ext>
-    </p:extLst>
   </p:cSld>
   <p:clrMapOvr>
     <a:masterClrMapping/>
@@ -1947,7 +1923,7 @@
 
 <file path=ppt/slideLayouts/slideLayout7.xml><?xml version="1.0" encoding="utf-8"?>
 <p:sldLayout xmlns:a="http://schemas.openxmlformats.org/drawingml/2006/main" xmlns:r="http://schemas.openxmlformats.org/officeDocument/2006/relationships" xmlns:p="http://schemas.openxmlformats.org/presentationml/2006/main" type="blank" preserve="1">
-  <p:cSld name="Blank">
+  <p:cSld name="空白">
     <p:spTree>
       <p:nvGrpSpPr>
         <p:cNvPr id="1" name=""/>
@@ -1964,7 +1940,7 @@
       </p:grpSpPr>
       <p:sp>
         <p:nvSpPr>
-          <p:cNvPr id="2" name="Date Placeholder 1"/>
+          <p:cNvPr id="2" name="日期版面配置區 1"/>
           <p:cNvSpPr>
             <a:spLocks noGrp="1"/>
           </p:cNvSpPr>
@@ -1979,7 +1955,8 @@
           <a:p>
             <a:fld id="{D792ABAC-BF4C-4256-9FBE-7324EDD8265A}" type="datetimeFigureOut">
               <a:rPr lang="en-US" smtClean="0"/>
-              <a:t>1/5/2019</a:t>
+              <a:pPr/>
+              <a:t>1/6/2019</a:t>
             </a:fld>
             <a:endParaRPr lang="en-US"/>
           </a:p>
@@ -1987,7 +1964,7 @@
       </p:sp>
       <p:sp>
         <p:nvSpPr>
-          <p:cNvPr id="3" name="Footer Placeholder 2"/>
+          <p:cNvPr id="3" name="頁尾版面配置區 2"/>
           <p:cNvSpPr>
             <a:spLocks noGrp="1"/>
           </p:cNvSpPr>
@@ -2006,7 +1983,7 @@
       </p:sp>
       <p:sp>
         <p:nvSpPr>
-          <p:cNvPr id="4" name="Slide Number Placeholder 3"/>
+          <p:cNvPr id="4" name="投影片編號版面配置區 3"/>
           <p:cNvSpPr>
             <a:spLocks noGrp="1"/>
           </p:cNvSpPr>
@@ -2021,6 +1998,7 @@
           <a:p>
             <a:fld id="{B47E861D-C63D-4D69-87A1-D4F5406003FF}" type="slidenum">
               <a:rPr lang="en-US" smtClean="0"/>
+              <a:pPr/>
               <a:t>‹#›</a:t>
             </a:fld>
             <a:endParaRPr lang="en-US"/>
@@ -2028,11 +2006,6 @@
         </p:txBody>
       </p:sp>
     </p:spTree>
-    <p:extLst>
-      <p:ext uri="{BB962C8B-B14F-4D97-AF65-F5344CB8AC3E}">
-        <p14:creationId xmlns:p14="http://schemas.microsoft.com/office/powerpoint/2010/main" val="1537322640"/>
-      </p:ext>
-    </p:extLst>
   </p:cSld>
   <p:clrMapOvr>
     <a:masterClrMapping/>
@@ -2042,7 +2015,7 @@
 
 <file path=ppt/slideLayouts/slideLayout8.xml><?xml version="1.0" encoding="utf-8"?>
 <p:sldLayout xmlns:a="http://schemas.openxmlformats.org/drawingml/2006/main" xmlns:r="http://schemas.openxmlformats.org/officeDocument/2006/relationships" xmlns:p="http://schemas.openxmlformats.org/presentationml/2006/main" type="objTx" preserve="1">
-  <p:cSld name="Content with Caption">
+  <p:cSld name="含標題的內容">
     <p:spTree>
       <p:nvGrpSpPr>
         <p:cNvPr id="1" name=""/>
@@ -2059,7 +2032,7 @@
       </p:grpSpPr>
       <p:sp>
         <p:nvSpPr>
-          <p:cNvPr id="2" name="Title 1"/>
+          <p:cNvPr id="2" name="標題 1"/>
           <p:cNvSpPr>
             <a:spLocks noGrp="1"/>
           </p:cNvSpPr>
@@ -2082,16 +2055,16 @@
           </a:lstStyle>
           <a:p>
             <a:r>
-              <a:rPr lang="en-US" smtClean="0"/>
-              <a:t>Click to edit Master title style</a:t>
-            </a:r>
-            <a:endParaRPr lang="en-US"/>
-          </a:p>
-        </p:txBody>
-      </p:sp>
-      <p:sp>
-        <p:nvSpPr>
-          <p:cNvPr id="3" name="Content Placeholder 2"/>
+              <a:rPr lang="zh-TW" altLang="en-US" smtClean="0"/>
+              <a:t>按一下以編輯母片標題樣式</a:t>
+            </a:r>
+            <a:endParaRPr lang="zh-TW" altLang="en-US"/>
+          </a:p>
+        </p:txBody>
+      </p:sp>
+      <p:sp>
+        <p:nvSpPr>
+          <p:cNvPr id="3" name="內容版面配置區 2"/>
           <p:cNvSpPr>
             <a:spLocks noGrp="1"/>
           </p:cNvSpPr>
@@ -2139,44 +2112,44 @@
           <a:p>
             <a:pPr lvl="0"/>
             <a:r>
-              <a:rPr lang="en-US" smtClean="0"/>
-              <a:t>Click to edit Master text styles</a:t>
+              <a:rPr lang="zh-TW" altLang="en-US" smtClean="0"/>
+              <a:t>按一下以編輯母片文字樣式</a:t>
             </a:r>
           </a:p>
           <a:p>
             <a:pPr lvl="1"/>
             <a:r>
-              <a:rPr lang="en-US" smtClean="0"/>
-              <a:t>Second level</a:t>
+              <a:rPr lang="zh-TW" altLang="en-US" smtClean="0"/>
+              <a:t>第二層</a:t>
             </a:r>
           </a:p>
           <a:p>
             <a:pPr lvl="2"/>
             <a:r>
-              <a:rPr lang="en-US" smtClean="0"/>
-              <a:t>Third level</a:t>
+              <a:rPr lang="zh-TW" altLang="en-US" smtClean="0"/>
+              <a:t>第三層</a:t>
             </a:r>
           </a:p>
           <a:p>
             <a:pPr lvl="3"/>
             <a:r>
-              <a:rPr lang="en-US" smtClean="0"/>
-              <a:t>Fourth level</a:t>
+              <a:rPr lang="zh-TW" altLang="en-US" smtClean="0"/>
+              <a:t>第四層</a:t>
             </a:r>
           </a:p>
           <a:p>
             <a:pPr lvl="4"/>
             <a:r>
-              <a:rPr lang="en-US" smtClean="0"/>
-              <a:t>Fifth level</a:t>
-            </a:r>
-            <a:endParaRPr lang="en-US"/>
-          </a:p>
-        </p:txBody>
-      </p:sp>
-      <p:sp>
-        <p:nvSpPr>
-          <p:cNvPr id="4" name="Text Placeholder 3"/>
+              <a:rPr lang="zh-TW" altLang="en-US" smtClean="0"/>
+              <a:t>第五層</a:t>
+            </a:r>
+            <a:endParaRPr lang="zh-TW" altLang="en-US"/>
+          </a:p>
+        </p:txBody>
+      </p:sp>
+      <p:sp>
+        <p:nvSpPr>
+          <p:cNvPr id="4" name="文字版面配置區 3"/>
           <p:cNvSpPr>
             <a:spLocks noGrp="1"/>
           </p:cNvSpPr>
@@ -2233,15 +2206,15 @@
           <a:p>
             <a:pPr lvl="0"/>
             <a:r>
-              <a:rPr lang="en-US" smtClean="0"/>
-              <a:t>Click to edit Master text styles</a:t>
-            </a:r>
-          </a:p>
-        </p:txBody>
-      </p:sp>
-      <p:sp>
-        <p:nvSpPr>
-          <p:cNvPr id="5" name="Date Placeholder 4"/>
+              <a:rPr lang="zh-TW" altLang="en-US" smtClean="0"/>
+              <a:t>按一下以編輯母片文字樣式</a:t>
+            </a:r>
+          </a:p>
+        </p:txBody>
+      </p:sp>
+      <p:sp>
+        <p:nvSpPr>
+          <p:cNvPr id="5" name="日期版面配置區 4"/>
           <p:cNvSpPr>
             <a:spLocks noGrp="1"/>
           </p:cNvSpPr>
@@ -2256,7 +2229,8 @@
           <a:p>
             <a:fld id="{D792ABAC-BF4C-4256-9FBE-7324EDD8265A}" type="datetimeFigureOut">
               <a:rPr lang="en-US" smtClean="0"/>
-              <a:t>1/5/2019</a:t>
+              <a:pPr/>
+              <a:t>1/6/2019</a:t>
             </a:fld>
             <a:endParaRPr lang="en-US"/>
           </a:p>
@@ -2264,7 +2238,7 @@
       </p:sp>
       <p:sp>
         <p:nvSpPr>
-          <p:cNvPr id="6" name="Footer Placeholder 5"/>
+          <p:cNvPr id="6" name="頁尾版面配置區 5"/>
           <p:cNvSpPr>
             <a:spLocks noGrp="1"/>
           </p:cNvSpPr>
@@ -2283,7 +2257,7 @@
       </p:sp>
       <p:sp>
         <p:nvSpPr>
-          <p:cNvPr id="7" name="Slide Number Placeholder 6"/>
+          <p:cNvPr id="7" name="投影片編號版面配置區 6"/>
           <p:cNvSpPr>
             <a:spLocks noGrp="1"/>
           </p:cNvSpPr>
@@ -2298,6 +2272,7 @@
           <a:p>
             <a:fld id="{B47E861D-C63D-4D69-87A1-D4F5406003FF}" type="slidenum">
               <a:rPr lang="en-US" smtClean="0"/>
+              <a:pPr/>
               <a:t>‹#›</a:t>
             </a:fld>
             <a:endParaRPr lang="en-US"/>
@@ -2305,11 +2280,6 @@
         </p:txBody>
       </p:sp>
     </p:spTree>
-    <p:extLst>
-      <p:ext uri="{BB962C8B-B14F-4D97-AF65-F5344CB8AC3E}">
-        <p14:creationId xmlns:p14="http://schemas.microsoft.com/office/powerpoint/2010/main" val="221508293"/>
-      </p:ext>
-    </p:extLst>
   </p:cSld>
   <p:clrMapOvr>
     <a:masterClrMapping/>
@@ -2319,7 +2289,7 @@
 
 <file path=ppt/slideLayouts/slideLayout9.xml><?xml version="1.0" encoding="utf-8"?>
 <p:sldLayout xmlns:a="http://schemas.openxmlformats.org/drawingml/2006/main" xmlns:r="http://schemas.openxmlformats.org/officeDocument/2006/relationships" xmlns:p="http://schemas.openxmlformats.org/presentationml/2006/main" type="picTx" preserve="1">
-  <p:cSld name="Picture with Caption">
+  <p:cSld name="含標題的圖片">
     <p:spTree>
       <p:nvGrpSpPr>
         <p:cNvPr id="1" name=""/>
@@ -2336,7 +2306,7 @@
       </p:grpSpPr>
       <p:sp>
         <p:nvSpPr>
-          <p:cNvPr id="2" name="Title 1"/>
+          <p:cNvPr id="2" name="標題 1"/>
           <p:cNvSpPr>
             <a:spLocks noGrp="1"/>
           </p:cNvSpPr>
@@ -2359,16 +2329,16 @@
           </a:lstStyle>
           <a:p>
             <a:r>
-              <a:rPr lang="en-US" smtClean="0"/>
-              <a:t>Click to edit Master title style</a:t>
-            </a:r>
-            <a:endParaRPr lang="en-US"/>
-          </a:p>
-        </p:txBody>
-      </p:sp>
-      <p:sp>
-        <p:nvSpPr>
-          <p:cNvPr id="3" name="Picture Placeholder 2"/>
+              <a:rPr lang="zh-TW" altLang="en-US" smtClean="0"/>
+              <a:t>按一下以編輯母片標題樣式</a:t>
+            </a:r>
+            <a:endParaRPr lang="zh-TW" altLang="en-US"/>
+          </a:p>
+        </p:txBody>
+      </p:sp>
+      <p:sp>
+        <p:nvSpPr>
+          <p:cNvPr id="3" name="圖片版面配置區 2"/>
           <p:cNvSpPr>
             <a:spLocks noGrp="1"/>
           </p:cNvSpPr>
@@ -2423,13 +2393,17 @@
             </a:lvl9pPr>
           </a:lstStyle>
           <a:p>
-            <a:endParaRPr lang="en-US"/>
-          </a:p>
-        </p:txBody>
-      </p:sp>
-      <p:sp>
-        <p:nvSpPr>
-          <p:cNvPr id="4" name="Text Placeholder 3"/>
+            <a:r>
+              <a:rPr lang="zh-TW" altLang="en-US" smtClean="0"/>
+              <a:t>按一下圖示以新增圖片</a:t>
+            </a:r>
+            <a:endParaRPr lang="zh-TW" altLang="en-US"/>
+          </a:p>
+        </p:txBody>
+      </p:sp>
+      <p:sp>
+        <p:nvSpPr>
+          <p:cNvPr id="4" name="文字版面配置區 3"/>
           <p:cNvSpPr>
             <a:spLocks noGrp="1"/>
           </p:cNvSpPr>
@@ -2486,15 +2460,15 @@
           <a:p>
             <a:pPr lvl="0"/>
             <a:r>
-              <a:rPr lang="en-US" smtClean="0"/>
-              <a:t>Click to edit Master text styles</a:t>
-            </a:r>
-          </a:p>
-        </p:txBody>
-      </p:sp>
-      <p:sp>
-        <p:nvSpPr>
-          <p:cNvPr id="5" name="Date Placeholder 4"/>
+              <a:rPr lang="zh-TW" altLang="en-US" smtClean="0"/>
+              <a:t>按一下以編輯母片文字樣式</a:t>
+            </a:r>
+          </a:p>
+        </p:txBody>
+      </p:sp>
+      <p:sp>
+        <p:nvSpPr>
+          <p:cNvPr id="5" name="日期版面配置區 4"/>
           <p:cNvSpPr>
             <a:spLocks noGrp="1"/>
           </p:cNvSpPr>
@@ -2509,7 +2483,8 @@
           <a:p>
             <a:fld id="{D792ABAC-BF4C-4256-9FBE-7324EDD8265A}" type="datetimeFigureOut">
               <a:rPr lang="en-US" smtClean="0"/>
-              <a:t>1/5/2019</a:t>
+              <a:pPr/>
+              <a:t>1/6/2019</a:t>
             </a:fld>
             <a:endParaRPr lang="en-US"/>
           </a:p>
@@ -2517,7 +2492,7 @@
       </p:sp>
       <p:sp>
         <p:nvSpPr>
-          <p:cNvPr id="6" name="Footer Placeholder 5"/>
+          <p:cNvPr id="6" name="頁尾版面配置區 5"/>
           <p:cNvSpPr>
             <a:spLocks noGrp="1"/>
           </p:cNvSpPr>
@@ -2536,7 +2511,7 @@
       </p:sp>
       <p:sp>
         <p:nvSpPr>
-          <p:cNvPr id="7" name="Slide Number Placeholder 6"/>
+          <p:cNvPr id="7" name="投影片編號版面配置區 6"/>
           <p:cNvSpPr>
             <a:spLocks noGrp="1"/>
           </p:cNvSpPr>
@@ -2551,6 +2526,7 @@
           <a:p>
             <a:fld id="{B47E861D-C63D-4D69-87A1-D4F5406003FF}" type="slidenum">
               <a:rPr lang="en-US" smtClean="0"/>
+              <a:pPr/>
               <a:t>‹#›</a:t>
             </a:fld>
             <a:endParaRPr lang="en-US"/>
@@ -2558,11 +2534,6 @@
         </p:txBody>
       </p:sp>
     </p:spTree>
-    <p:extLst>
-      <p:ext uri="{BB962C8B-B14F-4D97-AF65-F5344CB8AC3E}">
-        <p14:creationId xmlns:p14="http://schemas.microsoft.com/office/powerpoint/2010/main" val="1998776931"/>
-      </p:ext>
-    </p:extLst>
   </p:cSld>
   <p:clrMapOvr>
     <a:masterClrMapping/>
@@ -2574,9 +2545,14 @@
 <p:sldMaster xmlns:a="http://schemas.openxmlformats.org/drawingml/2006/main" xmlns:r="http://schemas.openxmlformats.org/officeDocument/2006/relationships" xmlns:p="http://schemas.openxmlformats.org/presentationml/2006/main">
   <p:cSld>
     <p:bg>
-      <p:bgRef idx="1001">
-        <a:schemeClr val="bg1"/>
-      </p:bgRef>
+      <p:bgPr>
+        <a:blipFill dpi="0" rotWithShape="1">
+          <a:blip r:embed="rId13"/>
+          <a:srcRect/>
+          <a:tile tx="0" ty="0" sx="100000" sy="100000" flip="none" algn="tl"/>
+        </a:blipFill>
+        <a:effectLst/>
+      </p:bgPr>
     </p:bg>
     <p:spTree>
       <p:nvGrpSpPr>
@@ -2594,7 +2570,7 @@
       </p:grpSpPr>
       <p:sp>
         <p:nvSpPr>
-          <p:cNvPr id="2" name="Title Placeholder 1"/>
+          <p:cNvPr id="2" name="標題版面配置區 1"/>
           <p:cNvSpPr>
             <a:spLocks noGrp="1"/>
           </p:cNvSpPr>
@@ -2618,16 +2594,16 @@
           <a:lstStyle/>
           <a:p>
             <a:r>
-              <a:rPr lang="en-US" smtClean="0"/>
-              <a:t>Click to edit Master title style</a:t>
-            </a:r>
-            <a:endParaRPr lang="en-US"/>
-          </a:p>
-        </p:txBody>
-      </p:sp>
-      <p:sp>
-        <p:nvSpPr>
-          <p:cNvPr id="3" name="Text Placeholder 2"/>
+              <a:rPr lang="zh-TW" altLang="en-US" smtClean="0"/>
+              <a:t>按一下以編輯母片標題樣式</a:t>
+            </a:r>
+            <a:endParaRPr lang="zh-TW" altLang="en-US"/>
+          </a:p>
+        </p:txBody>
+      </p:sp>
+      <p:sp>
+        <p:nvSpPr>
+          <p:cNvPr id="3" name="文字版面配置區 2"/>
           <p:cNvSpPr>
             <a:spLocks noGrp="1"/>
           </p:cNvSpPr>
@@ -2652,44 +2628,44 @@
           <a:p>
             <a:pPr lvl="0"/>
             <a:r>
-              <a:rPr lang="en-US" smtClean="0"/>
-              <a:t>Click to edit Master text styles</a:t>
+              <a:rPr lang="zh-TW" altLang="en-US" smtClean="0"/>
+              <a:t>按一下以編輯母片文字樣式</a:t>
             </a:r>
           </a:p>
           <a:p>
             <a:pPr lvl="1"/>
             <a:r>
-              <a:rPr lang="en-US" smtClean="0"/>
-              <a:t>Second level</a:t>
+              <a:rPr lang="zh-TW" altLang="en-US" smtClean="0"/>
+              <a:t>第二層</a:t>
             </a:r>
           </a:p>
           <a:p>
             <a:pPr lvl="2"/>
             <a:r>
-              <a:rPr lang="en-US" smtClean="0"/>
-              <a:t>Third level</a:t>
+              <a:rPr lang="zh-TW" altLang="en-US" smtClean="0"/>
+              <a:t>第三層</a:t>
             </a:r>
           </a:p>
           <a:p>
             <a:pPr lvl="3"/>
             <a:r>
-              <a:rPr lang="en-US" smtClean="0"/>
-              <a:t>Fourth level</a:t>
+              <a:rPr lang="zh-TW" altLang="en-US" smtClean="0"/>
+              <a:t>第四層</a:t>
             </a:r>
           </a:p>
           <a:p>
             <a:pPr lvl="4"/>
             <a:r>
-              <a:rPr lang="en-US" smtClean="0"/>
-              <a:t>Fifth level</a:t>
-            </a:r>
-            <a:endParaRPr lang="en-US"/>
-          </a:p>
-        </p:txBody>
-      </p:sp>
-      <p:sp>
-        <p:nvSpPr>
-          <p:cNvPr id="4" name="Date Placeholder 3"/>
+              <a:rPr lang="zh-TW" altLang="en-US" smtClean="0"/>
+              <a:t>第五層</a:t>
+            </a:r>
+            <a:endParaRPr lang="zh-TW" altLang="en-US"/>
+          </a:p>
+        </p:txBody>
+      </p:sp>
+      <p:sp>
+        <p:nvSpPr>
+          <p:cNvPr id="4" name="日期版面配置區 3"/>
           <p:cNvSpPr>
             <a:spLocks noGrp="1"/>
           </p:cNvSpPr>
@@ -2722,7 +2698,8 @@
           <a:p>
             <a:fld id="{D792ABAC-BF4C-4256-9FBE-7324EDD8265A}" type="datetimeFigureOut">
               <a:rPr lang="en-US" smtClean="0"/>
-              <a:t>1/5/2019</a:t>
+              <a:pPr/>
+              <a:t>1/6/2019</a:t>
             </a:fld>
             <a:endParaRPr lang="en-US"/>
           </a:p>
@@ -2730,7 +2707,7 @@
       </p:sp>
       <p:sp>
         <p:nvSpPr>
-          <p:cNvPr id="5" name="Footer Placeholder 4"/>
+          <p:cNvPr id="5" name="頁尾版面配置區 4"/>
           <p:cNvSpPr>
             <a:spLocks noGrp="1"/>
           </p:cNvSpPr>
@@ -2767,7 +2744,7 @@
       </p:sp>
       <p:sp>
         <p:nvSpPr>
-          <p:cNvPr id="6" name="Slide Number Placeholder 5"/>
+          <p:cNvPr id="6" name="投影片編號版面配置區 5"/>
           <p:cNvSpPr>
             <a:spLocks noGrp="1"/>
           </p:cNvSpPr>
@@ -2800,6 +2777,7 @@
           <a:p>
             <a:fld id="{B47E861D-C63D-4D69-87A1-D4F5406003FF}" type="slidenum">
               <a:rPr lang="en-US" smtClean="0"/>
+              <a:pPr/>
               <a:t>‹#›</a:t>
             </a:fld>
             <a:endParaRPr lang="en-US"/>
@@ -2807,25 +2785,20 @@
         </p:txBody>
       </p:sp>
     </p:spTree>
-    <p:extLst>
-      <p:ext uri="{BB962C8B-B14F-4D97-AF65-F5344CB8AC3E}">
-        <p14:creationId xmlns:p14="http://schemas.microsoft.com/office/powerpoint/2010/main" val="344320884"/>
-      </p:ext>
-    </p:extLst>
   </p:cSld>
   <p:clrMap bg1="lt1" tx1="dk1" bg2="lt2" tx2="dk2" accent1="accent1" accent2="accent2" accent3="accent3" accent4="accent4" accent5="accent5" accent6="accent6" hlink="hlink" folHlink="folHlink"/>
   <p:sldLayoutIdLst>
-    <p:sldLayoutId id="2147483649" r:id="rId1"/>
-    <p:sldLayoutId id="2147483650" r:id="rId2"/>
-    <p:sldLayoutId id="2147483651" r:id="rId3"/>
-    <p:sldLayoutId id="2147483652" r:id="rId4"/>
-    <p:sldLayoutId id="2147483653" r:id="rId5"/>
-    <p:sldLayoutId id="2147483654" r:id="rId6"/>
-    <p:sldLayoutId id="2147483655" r:id="rId7"/>
-    <p:sldLayoutId id="2147483656" r:id="rId8"/>
-    <p:sldLayoutId id="2147483657" r:id="rId9"/>
-    <p:sldLayoutId id="2147483658" r:id="rId10"/>
-    <p:sldLayoutId id="2147483659" r:id="rId11"/>
+    <p:sldLayoutId id="2147483661" r:id="rId1"/>
+    <p:sldLayoutId id="2147483662" r:id="rId2"/>
+    <p:sldLayoutId id="2147483663" r:id="rId3"/>
+    <p:sldLayoutId id="2147483664" r:id="rId4"/>
+    <p:sldLayoutId id="2147483665" r:id="rId5"/>
+    <p:sldLayoutId id="2147483666" r:id="rId6"/>
+    <p:sldLayoutId id="2147483667" r:id="rId7"/>
+    <p:sldLayoutId id="2147483668" r:id="rId8"/>
+    <p:sldLayoutId id="2147483669" r:id="rId9"/>
+    <p:sldLayoutId id="2147483670" r:id="rId10"/>
+    <p:sldLayoutId id="2147483671" r:id="rId11"/>
   </p:sldLayoutIdLst>
   <p:txStyles>
     <p:titleStyle>
@@ -2983,7 +2956,7 @@
     </p:bodyStyle>
     <p:otherStyle>
       <a:defPPr>
-        <a:defRPr lang="en-US"/>
+        <a:defRPr lang="zh-TW"/>
       </a:defPPr>
       <a:lvl1pPr marL="0" algn="l" defTabSz="914400" rtl="0" eaLnBrk="1" latinLnBrk="0" hangingPunct="1">
         <a:defRPr sz="1800" kern="1200">
@@ -3288,14 +3261,7 @@
                 <a:latin typeface="Microsoft JhengHei" pitchFamily="34" charset="-120"/>
                 <a:ea typeface="Microsoft JhengHei" pitchFamily="34" charset="-120"/>
               </a:rPr>
-              <a:t>轉回   </a:t>
-            </a:r>
-            <a:r>
-              <a:rPr lang="zh-CN" altLang="en-US" sz="5400" b="1" dirty="0" smtClean="0">
-                <a:latin typeface="Microsoft JhengHei" pitchFamily="34" charset="-120"/>
-                <a:ea typeface="Microsoft JhengHei" pitchFamily="34" charset="-120"/>
-              </a:rPr>
-              <a:t>永不轉回</a:t>
+              <a:t>轉回   永不轉回</a:t>
             </a:r>
             <a:endParaRPr lang="en-US" altLang="zh-TW" sz="5400" b="1" dirty="0" smtClean="0">
               <a:latin typeface="Microsoft JhengHei" pitchFamily="34" charset="-120"/>
@@ -3307,7 +3273,7 @@
     </p:spTree>
     <p:extLst>
       <p:ext uri="{BB962C8B-B14F-4D97-AF65-F5344CB8AC3E}">
-        <p14:creationId xmlns:p14="http://schemas.microsoft.com/office/powerpoint/2010/main" val="2190387884"/>
+        <p14:creationId xmlns:p14="http://schemas.microsoft.com/office/powerpoint/2010/main" xmlns="" val="2190387884"/>
       </p:ext>
     </p:extLst>
   </p:cSld>
@@ -3416,14 +3382,7 @@
                 <a:latin typeface="Microsoft JhengHei" pitchFamily="34" charset="-120"/>
                 <a:ea typeface="Microsoft JhengHei" pitchFamily="34" charset="-120"/>
               </a:rPr>
-              <a:t>仍要</a:t>
-            </a:r>
-            <a:r>
-              <a:rPr lang="zh-TW" altLang="en-US" sz="5400" b="1" dirty="0">
-                <a:latin typeface="Microsoft JhengHei" pitchFamily="34" charset="-120"/>
-                <a:ea typeface="Microsoft JhengHei" pitchFamily="34" charset="-120"/>
-              </a:rPr>
-              <a:t>跟</a:t>
+              <a:t>仍要跟</a:t>
             </a:r>
             <a:r>
               <a:rPr lang="zh-CN" altLang="en-US" sz="5400" b="1" dirty="0">
@@ -3574,7 +3533,7 @@
     </p:spTree>
     <p:extLst>
       <p:ext uri="{BB962C8B-B14F-4D97-AF65-F5344CB8AC3E}">
-        <p14:creationId xmlns:p14="http://schemas.microsoft.com/office/powerpoint/2010/main" val="3994272199"/>
+        <p14:creationId xmlns:p14="http://schemas.microsoft.com/office/powerpoint/2010/main" xmlns="" val="3994272199"/>
       </p:ext>
     </p:extLst>
   </p:cSld>
@@ -3715,7 +3674,7 @@
     </p:spTree>
     <p:extLst>
       <p:ext uri="{BB962C8B-B14F-4D97-AF65-F5344CB8AC3E}">
-        <p14:creationId xmlns:p14="http://schemas.microsoft.com/office/powerpoint/2010/main" val="2837600757"/>
+        <p14:creationId xmlns:p14="http://schemas.microsoft.com/office/powerpoint/2010/main" xmlns="" val="2837600757"/>
       </p:ext>
     </p:extLst>
   </p:cSld>
@@ -3726,7 +3685,7 @@
 </file>
 
 <file path=ppt/theme/theme1.xml><?xml version="1.0" encoding="utf-8"?>
-<a:theme xmlns:a="http://schemas.openxmlformats.org/drawingml/2006/main" name="Office Theme">
+<a:theme xmlns:a="http://schemas.openxmlformats.org/drawingml/2006/main" name="佈景主題1">
   <a:themeElements>
     <a:clrScheme name="Office">
       <a:dk1>
@@ -3800,7 +3759,6 @@
         <a:font script="Mong" typeface="Mongolian Baiti"/>
         <a:font script="Viet" typeface="Times New Roman"/>
         <a:font script="Uigh" typeface="Microsoft Uighur"/>
-        <a:font script="Geor" typeface="Sylfaen"/>
       </a:majorFont>
       <a:minorFont>
         <a:latin typeface="Calibri"/>
@@ -3835,7 +3793,6 @@
         <a:font script="Mong" typeface="Mongolian Baiti"/>
         <a:font script="Viet" typeface="Arial"/>
         <a:font script="Uigh" typeface="Microsoft Uighur"/>
-        <a:font script="Geor" typeface="Sylfaen"/>
       </a:minorFont>
     </a:fontScheme>
     <a:fmtScheme name="Office">

--- a/我已經決定_version2.pptx
+++ b/我已經決定_version2.pptx
@@ -291,7 +291,7 @@
             <a:fld id="{D792ABAC-BF4C-4256-9FBE-7324EDD8265A}" type="datetimeFigureOut">
               <a:rPr lang="en-US" smtClean="0"/>
               <a:pPr/>
-              <a:t>1/6/2019</a:t>
+              <a:t>2/3/2019</a:t>
             </a:fld>
             <a:endParaRPr lang="en-US"/>
           </a:p>
@@ -458,7 +458,7 @@
             <a:fld id="{D792ABAC-BF4C-4256-9FBE-7324EDD8265A}" type="datetimeFigureOut">
               <a:rPr lang="en-US" smtClean="0"/>
               <a:pPr/>
-              <a:t>1/6/2019</a:t>
+              <a:t>2/3/2019</a:t>
             </a:fld>
             <a:endParaRPr lang="en-US"/>
           </a:p>
@@ -635,7 +635,7 @@
             <a:fld id="{D792ABAC-BF4C-4256-9FBE-7324EDD8265A}" type="datetimeFigureOut">
               <a:rPr lang="en-US" smtClean="0"/>
               <a:pPr/>
-              <a:t>1/6/2019</a:t>
+              <a:t>2/3/2019</a:t>
             </a:fld>
             <a:endParaRPr lang="en-US"/>
           </a:p>
@@ -802,7 +802,7 @@
             <a:fld id="{D792ABAC-BF4C-4256-9FBE-7324EDD8265A}" type="datetimeFigureOut">
               <a:rPr lang="en-US" smtClean="0"/>
               <a:pPr/>
-              <a:t>1/6/2019</a:t>
+              <a:t>2/3/2019</a:t>
             </a:fld>
             <a:endParaRPr lang="en-US"/>
           </a:p>
@@ -1045,7 +1045,7 @@
             <a:fld id="{D792ABAC-BF4C-4256-9FBE-7324EDD8265A}" type="datetimeFigureOut">
               <a:rPr lang="en-US" smtClean="0"/>
               <a:pPr/>
-              <a:t>1/6/2019</a:t>
+              <a:t>2/3/2019</a:t>
             </a:fld>
             <a:endParaRPr lang="en-US"/>
           </a:p>
@@ -1330,7 +1330,7 @@
             <a:fld id="{D792ABAC-BF4C-4256-9FBE-7324EDD8265A}" type="datetimeFigureOut">
               <a:rPr lang="en-US" smtClean="0"/>
               <a:pPr/>
-              <a:t>1/6/2019</a:t>
+              <a:t>2/3/2019</a:t>
             </a:fld>
             <a:endParaRPr lang="en-US"/>
           </a:p>
@@ -1749,7 +1749,7 @@
             <a:fld id="{D792ABAC-BF4C-4256-9FBE-7324EDD8265A}" type="datetimeFigureOut">
               <a:rPr lang="en-US" smtClean="0"/>
               <a:pPr/>
-              <a:t>1/6/2019</a:t>
+              <a:t>2/3/2019</a:t>
             </a:fld>
             <a:endParaRPr lang="en-US"/>
           </a:p>
@@ -1864,7 +1864,7 @@
             <a:fld id="{D792ABAC-BF4C-4256-9FBE-7324EDD8265A}" type="datetimeFigureOut">
               <a:rPr lang="en-US" smtClean="0"/>
               <a:pPr/>
-              <a:t>1/6/2019</a:t>
+              <a:t>2/3/2019</a:t>
             </a:fld>
             <a:endParaRPr lang="en-US"/>
           </a:p>
@@ -1956,7 +1956,7 @@
             <a:fld id="{D792ABAC-BF4C-4256-9FBE-7324EDD8265A}" type="datetimeFigureOut">
               <a:rPr lang="en-US" smtClean="0"/>
               <a:pPr/>
-              <a:t>1/6/2019</a:t>
+              <a:t>2/3/2019</a:t>
             </a:fld>
             <a:endParaRPr lang="en-US"/>
           </a:p>
@@ -2230,7 +2230,7 @@
             <a:fld id="{D792ABAC-BF4C-4256-9FBE-7324EDD8265A}" type="datetimeFigureOut">
               <a:rPr lang="en-US" smtClean="0"/>
               <a:pPr/>
-              <a:t>1/6/2019</a:t>
+              <a:t>2/3/2019</a:t>
             </a:fld>
             <a:endParaRPr lang="en-US"/>
           </a:p>
@@ -2484,7 +2484,7 @@
             <a:fld id="{D792ABAC-BF4C-4256-9FBE-7324EDD8265A}" type="datetimeFigureOut">
               <a:rPr lang="en-US" smtClean="0"/>
               <a:pPr/>
-              <a:t>1/6/2019</a:t>
+              <a:t>2/3/2019</a:t>
             </a:fld>
             <a:endParaRPr lang="en-US"/>
           </a:p>
@@ -2699,7 +2699,7 @@
             <a:fld id="{D792ABAC-BF4C-4256-9FBE-7324EDD8265A}" type="datetimeFigureOut">
               <a:rPr lang="en-US" smtClean="0"/>
               <a:pPr/>
-              <a:t>1/6/2019</a:t>
+              <a:t>2/3/2019</a:t>
             </a:fld>
             <a:endParaRPr lang="en-US"/>
           </a:p>
@@ -3087,12 +3087,18 @@
           <a:p>
             <a:r>
               <a:rPr lang="zh-TW" altLang="en-US" b="1" dirty="0" smtClean="0">
+                <a:solidFill>
+                  <a:srgbClr val="000066"/>
+                </a:solidFill>
                 <a:latin typeface="Microsoft JhengHei" pitchFamily="34" charset="-120"/>
                 <a:ea typeface="Microsoft JhengHei" pitchFamily="34" charset="-120"/>
               </a:rPr>
               <a:t>我已經決定</a:t>
             </a:r>
             <a:endParaRPr lang="en-US" b="1" dirty="0">
+              <a:solidFill>
+                <a:srgbClr val="000066"/>
+              </a:solidFill>
               <a:latin typeface="Microsoft JhengHei" pitchFamily="34" charset="-120"/>
               <a:ea typeface="Microsoft JhengHei" pitchFamily="34" charset="-120"/>
             </a:endParaRPr>
@@ -3125,36 +3131,51 @@
               <a:buNone/>
             </a:pPr>
             <a:r>
-              <a:rPr lang="zh-TW" altLang="en-US" sz="5400" b="1" dirty="0">
-                <a:latin typeface="Microsoft JhengHei" pitchFamily="34" charset="-120"/>
-                <a:ea typeface="Microsoft JhengHei" pitchFamily="34" charset="-120"/>
+              <a:rPr lang="zh-TW" altLang="en-US" sz="5400" b="1" dirty="0" smtClean="0">
+                <a:solidFill>
+                  <a:srgbClr val="000066"/>
+                </a:solidFill>
+                <a:latin typeface="微軟正黑體" pitchFamily="34" charset="-120"/>
+                <a:ea typeface="微軟正黑體" pitchFamily="34" charset="-120"/>
               </a:rPr>
-              <a:t>我已經決</a:t>
+              <a:t>我已經</a:t>
             </a:r>
             <a:r>
               <a:rPr lang="zh-TW" altLang="en-US" sz="5400" b="1" dirty="0" smtClean="0">
-                <a:latin typeface="Microsoft JhengHei" pitchFamily="34" charset="-120"/>
-                <a:ea typeface="Microsoft JhengHei" pitchFamily="34" charset="-120"/>
+                <a:solidFill>
+                  <a:srgbClr val="000066"/>
+                </a:solidFill>
+                <a:latin typeface="微軟正黑體" pitchFamily="34" charset="-120"/>
+                <a:ea typeface="微軟正黑體" pitchFamily="34" charset="-120"/>
               </a:rPr>
-              <a:t>定   </a:t>
-            </a:r>
-            <a:r>
-              <a:rPr lang="zh-CN" altLang="en-US" sz="5400" b="1" dirty="0" smtClean="0">
-                <a:latin typeface="Microsoft JhengHei" pitchFamily="34" charset="-120"/>
-                <a:ea typeface="Microsoft JhengHei" pitchFamily="34" charset="-120"/>
+              <a:t>決定  跟隨</a:t>
+            </a:r>
+            <a:r>
+              <a:rPr lang="zh-TW" altLang="en-US" sz="5400" b="1" dirty="0" smtClean="0">
+                <a:solidFill>
+                  <a:srgbClr val="000066"/>
+                </a:solidFill>
+                <a:latin typeface="微軟正黑體" pitchFamily="34" charset="-120"/>
+                <a:ea typeface="微軟正黑體" pitchFamily="34" charset="-120"/>
               </a:rPr>
-              <a:t>要跟從</a:t>
+              <a:t>主</a:t>
             </a:r>
             <a:r>
               <a:rPr lang="zh-TW" altLang="en-US" sz="5400" b="1" dirty="0" smtClean="0">
-                <a:latin typeface="Microsoft JhengHei" pitchFamily="34" charset="-120"/>
-                <a:ea typeface="Microsoft JhengHei" pitchFamily="34" charset="-120"/>
+                <a:solidFill>
+                  <a:srgbClr val="000066"/>
+                </a:solidFill>
+                <a:latin typeface="微軟正黑體" pitchFamily="34" charset="-120"/>
+                <a:ea typeface="微軟正黑體" pitchFamily="34" charset="-120"/>
               </a:rPr>
               <a:t>耶穌</a:t>
             </a:r>
             <a:endParaRPr lang="en-US" altLang="zh-TW" sz="5400" b="1" dirty="0" smtClean="0">
-              <a:latin typeface="Microsoft JhengHei" pitchFamily="34" charset="-120"/>
-              <a:ea typeface="Microsoft JhengHei" pitchFamily="34" charset="-120"/>
+              <a:solidFill>
+                <a:srgbClr val="000066"/>
+              </a:solidFill>
+              <a:latin typeface="微軟正黑體" pitchFamily="34" charset="-120"/>
+              <a:ea typeface="微軟正黑體" pitchFamily="34" charset="-120"/>
             </a:endParaRPr>
           </a:p>
           <a:p>
@@ -3163,42 +3184,60 @@
             </a:pPr>
             <a:r>
               <a:rPr lang="zh-TW" altLang="en-US" sz="5400" b="1" dirty="0" smtClean="0">
-                <a:latin typeface="Microsoft JhengHei" pitchFamily="34" charset="-120"/>
-                <a:ea typeface="Microsoft JhengHei" pitchFamily="34" charset="-120"/>
+                <a:solidFill>
+                  <a:srgbClr val="000066"/>
+                </a:solidFill>
+                <a:latin typeface="微軟正黑體" pitchFamily="34" charset="-120"/>
+                <a:ea typeface="微軟正黑體" pitchFamily="34" charset="-120"/>
               </a:rPr>
               <a:t>我</a:t>
             </a:r>
             <a:r>
-              <a:rPr lang="zh-TW" altLang="en-US" sz="5400" b="1" dirty="0">
-                <a:latin typeface="Microsoft JhengHei" pitchFamily="34" charset="-120"/>
-                <a:ea typeface="Microsoft JhengHei" pitchFamily="34" charset="-120"/>
+              <a:rPr lang="zh-TW" altLang="en-US" sz="5400" b="1" dirty="0" smtClean="0">
+                <a:solidFill>
+                  <a:srgbClr val="000066"/>
+                </a:solidFill>
+                <a:latin typeface="微軟正黑體" pitchFamily="34" charset="-120"/>
+                <a:ea typeface="微軟正黑體" pitchFamily="34" charset="-120"/>
               </a:rPr>
-              <a:t>已經決</a:t>
+              <a:t>已經</a:t>
             </a:r>
             <a:r>
               <a:rPr lang="zh-TW" altLang="en-US" sz="5400" b="1" dirty="0" smtClean="0">
-                <a:latin typeface="Microsoft JhengHei" pitchFamily="34" charset="-120"/>
-                <a:ea typeface="Microsoft JhengHei" pitchFamily="34" charset="-120"/>
+                <a:solidFill>
+                  <a:srgbClr val="000066"/>
+                </a:solidFill>
+                <a:latin typeface="微軟正黑體" pitchFamily="34" charset="-120"/>
+                <a:ea typeface="微軟正黑體" pitchFamily="34" charset="-120"/>
               </a:rPr>
-              <a:t>定   </a:t>
-            </a:r>
-            <a:r>
-              <a:rPr lang="zh-CN" altLang="en-US" sz="5400" b="1" dirty="0" smtClean="0">
-                <a:latin typeface="Microsoft JhengHei" pitchFamily="34" charset="-120"/>
-                <a:ea typeface="Microsoft JhengHei" pitchFamily="34" charset="-120"/>
+              <a:t>決定  跟隨</a:t>
+            </a:r>
+            <a:r>
+              <a:rPr lang="zh-TW" altLang="en-US" sz="5400" b="1" dirty="0" smtClean="0">
+                <a:solidFill>
+                  <a:srgbClr val="000066"/>
+                </a:solidFill>
+                <a:latin typeface="微軟正黑體" pitchFamily="34" charset="-120"/>
+                <a:ea typeface="微軟正黑體" pitchFamily="34" charset="-120"/>
               </a:rPr>
-              <a:t>要跟從</a:t>
+              <a:t>主</a:t>
             </a:r>
             <a:r>
               <a:rPr lang="zh-TW" altLang="en-US" sz="5400" b="1" dirty="0" smtClean="0">
-                <a:latin typeface="Microsoft JhengHei" pitchFamily="34" charset="-120"/>
-                <a:ea typeface="Microsoft JhengHei" pitchFamily="34" charset="-120"/>
+                <a:solidFill>
+                  <a:srgbClr val="000066"/>
+                </a:solidFill>
+                <a:latin typeface="微軟正黑體" pitchFamily="34" charset="-120"/>
+                <a:ea typeface="微軟正黑體" pitchFamily="34" charset="-120"/>
               </a:rPr>
               <a:t>耶穌</a:t>
             </a:r>
-            <a:endParaRPr lang="en-US" altLang="zh-TW" sz="5400" b="1" dirty="0">
-              <a:latin typeface="Microsoft JhengHei" pitchFamily="34" charset="-120"/>
-              <a:ea typeface="Microsoft JhengHei" pitchFamily="34" charset="-120"/>
+            <a:endParaRPr lang="en-US" altLang="zh-TW" sz="5400" b="1" dirty="0" smtClean="0">
+              <a:solidFill>
+                <a:srgbClr val="000066"/>
+              </a:solidFill>
+              <a:latin typeface="微軟正黑體" pitchFamily="34" charset="-120"/>
+              <a:ea typeface="微軟正黑體" pitchFamily="34" charset="-120"/>
             </a:endParaRPr>
           </a:p>
           <a:p>
@@ -3207,42 +3246,60 @@
             </a:pPr>
             <a:r>
               <a:rPr lang="zh-TW" altLang="en-US" sz="5400" b="1" dirty="0" smtClean="0">
-                <a:latin typeface="Microsoft JhengHei" pitchFamily="34" charset="-120"/>
-                <a:ea typeface="Microsoft JhengHei" pitchFamily="34" charset="-120"/>
+                <a:solidFill>
+                  <a:srgbClr val="000066"/>
+                </a:solidFill>
+                <a:latin typeface="微軟正黑體" pitchFamily="34" charset="-120"/>
+                <a:ea typeface="微軟正黑體" pitchFamily="34" charset="-120"/>
               </a:rPr>
               <a:t>我</a:t>
             </a:r>
             <a:r>
-              <a:rPr lang="zh-TW" altLang="en-US" sz="5400" b="1" dirty="0">
-                <a:latin typeface="Microsoft JhengHei" pitchFamily="34" charset="-120"/>
-                <a:ea typeface="Microsoft JhengHei" pitchFamily="34" charset="-120"/>
+              <a:rPr lang="zh-TW" altLang="en-US" sz="5400" b="1" dirty="0" smtClean="0">
+                <a:solidFill>
+                  <a:srgbClr val="000066"/>
+                </a:solidFill>
+                <a:latin typeface="微軟正黑體" pitchFamily="34" charset="-120"/>
+                <a:ea typeface="微軟正黑體" pitchFamily="34" charset="-120"/>
               </a:rPr>
-              <a:t>已經決</a:t>
+              <a:t>已經</a:t>
             </a:r>
             <a:r>
               <a:rPr lang="zh-TW" altLang="en-US" sz="5400" b="1" dirty="0" smtClean="0">
-                <a:latin typeface="Microsoft JhengHei" pitchFamily="34" charset="-120"/>
-                <a:ea typeface="Microsoft JhengHei" pitchFamily="34" charset="-120"/>
+                <a:solidFill>
+                  <a:srgbClr val="000066"/>
+                </a:solidFill>
+                <a:latin typeface="微軟正黑體" pitchFamily="34" charset="-120"/>
+                <a:ea typeface="微軟正黑體" pitchFamily="34" charset="-120"/>
               </a:rPr>
-              <a:t>定   </a:t>
-            </a:r>
-            <a:r>
-              <a:rPr lang="zh-CN" altLang="en-US" sz="5400" b="1" dirty="0" smtClean="0">
-                <a:latin typeface="Microsoft JhengHei" pitchFamily="34" charset="-120"/>
-                <a:ea typeface="Microsoft JhengHei" pitchFamily="34" charset="-120"/>
+              <a:t>決定  跟隨</a:t>
+            </a:r>
+            <a:r>
+              <a:rPr lang="zh-TW" altLang="en-US" sz="5400" b="1" dirty="0" smtClean="0">
+                <a:solidFill>
+                  <a:srgbClr val="000066"/>
+                </a:solidFill>
+                <a:latin typeface="微軟正黑體" pitchFamily="34" charset="-120"/>
+                <a:ea typeface="微軟正黑體" pitchFamily="34" charset="-120"/>
               </a:rPr>
-              <a:t>要跟從</a:t>
+              <a:t>主</a:t>
             </a:r>
             <a:r>
               <a:rPr lang="zh-TW" altLang="en-US" sz="5400" b="1" dirty="0" smtClean="0">
-                <a:latin typeface="Microsoft JhengHei" pitchFamily="34" charset="-120"/>
-                <a:ea typeface="Microsoft JhengHei" pitchFamily="34" charset="-120"/>
+                <a:solidFill>
+                  <a:srgbClr val="000066"/>
+                </a:solidFill>
+                <a:latin typeface="微軟正黑體" pitchFamily="34" charset="-120"/>
+                <a:ea typeface="微軟正黑體" pitchFamily="34" charset="-120"/>
               </a:rPr>
               <a:t>耶穌</a:t>
             </a:r>
             <a:endParaRPr lang="en-US" altLang="zh-TW" sz="5400" b="1" dirty="0" smtClean="0">
-              <a:latin typeface="Microsoft JhengHei" pitchFamily="34" charset="-120"/>
-              <a:ea typeface="Microsoft JhengHei" pitchFamily="34" charset="-120"/>
+              <a:solidFill>
+                <a:srgbClr val="000066"/>
+              </a:solidFill>
+              <a:latin typeface="微軟正黑體" pitchFamily="34" charset="-120"/>
+              <a:ea typeface="微軟正黑體" pitchFamily="34" charset="-120"/>
             </a:endParaRPr>
           </a:p>
           <a:p>
@@ -3250,22 +3307,21 @@
               <a:buNone/>
             </a:pPr>
             <a:r>
-              <a:rPr lang="zh-CN" altLang="en-US" sz="5400" b="1" dirty="0">
-                <a:latin typeface="Microsoft JhengHei" pitchFamily="34" charset="-120"/>
-                <a:ea typeface="Microsoft JhengHei" pitchFamily="34" charset="-120"/>
+              <a:rPr lang="zh-TW" altLang="en-US" sz="5400" b="1" dirty="0" smtClean="0">
+                <a:solidFill>
+                  <a:srgbClr val="000066"/>
+                </a:solidFill>
+                <a:latin typeface="微軟正黑體" pitchFamily="34" charset="-120"/>
+                <a:ea typeface="微軟正黑體" pitchFamily="34" charset="-120"/>
               </a:rPr>
-              <a:t>永不</a:t>
-            </a:r>
-            <a:r>
-              <a:rPr lang="zh-CN" altLang="en-US" sz="5400" b="1" dirty="0" smtClean="0">
-                <a:latin typeface="Microsoft JhengHei" pitchFamily="34" charset="-120"/>
-                <a:ea typeface="Microsoft JhengHei" pitchFamily="34" charset="-120"/>
-              </a:rPr>
-              <a:t>轉回   永不轉回</a:t>
+              <a:t>義無反顧  義無反顧</a:t>
             </a:r>
             <a:endParaRPr lang="en-US" altLang="zh-TW" sz="5400" b="1" dirty="0" smtClean="0">
-              <a:latin typeface="Microsoft JhengHei" pitchFamily="34" charset="-120"/>
-              <a:ea typeface="Microsoft JhengHei" pitchFamily="34" charset="-120"/>
+              <a:solidFill>
+                <a:srgbClr val="000066"/>
+              </a:solidFill>
+              <a:latin typeface="微軟正黑體" pitchFamily="34" charset="-120"/>
+              <a:ea typeface="微軟正黑體" pitchFamily="34" charset="-120"/>
             </a:endParaRPr>
           </a:p>
         </p:txBody>
@@ -3273,7 +3329,7 @@
     </p:spTree>
     <p:extLst>
       <p:ext uri="{BB962C8B-B14F-4D97-AF65-F5344CB8AC3E}">
-        <p14:creationId xmlns:p14="http://schemas.microsoft.com/office/powerpoint/2010/main" xmlns="" val="2190387884"/>
+        <p14:creationId xmlns="" xmlns:p14="http://schemas.microsoft.com/office/powerpoint/2010/main" val="2190387884"/>
       </p:ext>
     </p:extLst>
   </p:cSld>
@@ -3312,17 +3368,25 @@
         </p:nvSpPr>
         <p:spPr/>
         <p:txBody>
-          <a:bodyPr/>
+          <a:bodyPr>
+            <a:normAutofit/>
+          </a:bodyPr>
           <a:lstStyle/>
           <a:p>
             <a:r>
               <a:rPr lang="zh-TW" altLang="en-US" b="1" dirty="0" smtClean="0">
+                <a:solidFill>
+                  <a:srgbClr val="000066"/>
+                </a:solidFill>
                 <a:latin typeface="Microsoft JhengHei" pitchFamily="34" charset="-120"/>
                 <a:ea typeface="Microsoft JhengHei" pitchFamily="34" charset="-120"/>
               </a:rPr>
               <a:t>我已經決定</a:t>
             </a:r>
-            <a:endParaRPr lang="en-US" b="1" dirty="0">
+            <a:endParaRPr lang="en-US" altLang="en-US" b="1" dirty="0">
+              <a:solidFill>
+                <a:srgbClr val="000066"/>
+              </a:solidFill>
               <a:latin typeface="Microsoft JhengHei" pitchFamily="34" charset="-120"/>
               <a:ea typeface="Microsoft JhengHei" pitchFamily="34" charset="-120"/>
             </a:endParaRPr>
@@ -3350,182 +3414,87 @@
               <a:buNone/>
             </a:pPr>
             <a:r>
-              <a:rPr lang="zh-CN" altLang="en-US" sz="5400" b="1" dirty="0">
-                <a:latin typeface="Microsoft JhengHei" pitchFamily="34" charset="-120"/>
-                <a:ea typeface="Microsoft JhengHei" pitchFamily="34" charset="-120"/>
+              <a:rPr lang="zh-TW" altLang="en-US" sz="5400" b="1" dirty="0" smtClean="0">
+                <a:solidFill>
+                  <a:srgbClr val="000066"/>
+                </a:solidFill>
+                <a:latin typeface="微軟正黑體" pitchFamily="34" charset="-120"/>
+                <a:ea typeface="微軟正黑體" pitchFamily="34" charset="-120"/>
               </a:rPr>
-              <a:t>雖</a:t>
-            </a:r>
+              <a:t>縱無人願意  我仍要跟隨</a:t>
+            </a:r>
+            <a:endParaRPr lang="en-US" altLang="zh-TW" sz="5400" b="1" dirty="0" smtClean="0">
+              <a:solidFill>
+                <a:srgbClr val="000066"/>
+              </a:solidFill>
+              <a:latin typeface="微軟正黑體" pitchFamily="34" charset="-120"/>
+              <a:ea typeface="微軟正黑體" pitchFamily="34" charset="-120"/>
+            </a:endParaRPr>
+          </a:p>
+          <a:p>
+            <a:pPr marL="0" indent="0" algn="ctr">
+              <a:buNone/>
+            </a:pPr>
             <a:r>
               <a:rPr lang="zh-TW" altLang="en-US" sz="5400" b="1" dirty="0" smtClean="0">
-                <a:latin typeface="Microsoft JhengHei" pitchFamily="34" charset="-120"/>
-                <a:ea typeface="Microsoft JhengHei" pitchFamily="34" charset="-120"/>
+                <a:solidFill>
+                  <a:srgbClr val="000066"/>
+                </a:solidFill>
+                <a:latin typeface="微軟正黑體" pitchFamily="34" charset="-120"/>
+                <a:ea typeface="微軟正黑體" pitchFamily="34" charset="-120"/>
               </a:rPr>
-              <a:t>無</a:t>
-            </a:r>
-            <a:r>
-              <a:rPr lang="zh-TW" altLang="en-US" sz="5400" b="1" dirty="0">
-                <a:latin typeface="Microsoft JhengHei" pitchFamily="34" charset="-120"/>
-                <a:ea typeface="Microsoft JhengHei" pitchFamily="34" charset="-120"/>
+              <a:t>縱無人願意  我仍要跟隨</a:t>
+            </a:r>
+            <a:endParaRPr lang="en-US" altLang="zh-TW" sz="5400" b="1" dirty="0" smtClean="0">
+              <a:solidFill>
+                <a:srgbClr val="000066"/>
+              </a:solidFill>
+              <a:latin typeface="微軟正黑體" pitchFamily="34" charset="-120"/>
+              <a:ea typeface="微軟正黑體" pitchFamily="34" charset="-120"/>
+            </a:endParaRPr>
+          </a:p>
+          <a:p>
+            <a:pPr marL="0" indent="0" algn="ctr">
+              <a:buNone/>
+            </a:pPr>
+            <a:r>
+              <a:rPr lang="zh-TW" altLang="en-US" sz="5400" b="1" dirty="0" smtClean="0">
+                <a:solidFill>
+                  <a:srgbClr val="000066"/>
+                </a:solidFill>
+                <a:latin typeface="微軟正黑體" pitchFamily="34" charset="-120"/>
+                <a:ea typeface="微軟正黑體" pitchFamily="34" charset="-120"/>
               </a:rPr>
-              <a:t>人願</a:t>
-            </a:r>
+              <a:t>縱無人願意  我仍要跟隨</a:t>
+            </a:r>
+            <a:endParaRPr lang="en-US" altLang="zh-TW" sz="5400" b="1" dirty="0" smtClean="0">
+              <a:solidFill>
+                <a:srgbClr val="000066"/>
+              </a:solidFill>
+              <a:latin typeface="微軟正黑體" pitchFamily="34" charset="-120"/>
+              <a:ea typeface="微軟正黑體" pitchFamily="34" charset="-120"/>
+            </a:endParaRPr>
+          </a:p>
+          <a:p>
+            <a:pPr marL="0" indent="0" algn="ctr">
+              <a:buNone/>
+            </a:pPr>
             <a:r>
               <a:rPr lang="zh-TW" altLang="en-US" sz="5400" b="1" dirty="0" smtClean="0">
-                <a:latin typeface="Microsoft JhengHei" pitchFamily="34" charset="-120"/>
-                <a:ea typeface="Microsoft JhengHei" pitchFamily="34" charset="-120"/>
+                <a:solidFill>
+                  <a:srgbClr val="000066"/>
+                </a:solidFill>
+                <a:latin typeface="微軟正黑體" pitchFamily="34" charset="-120"/>
+                <a:ea typeface="微軟正黑體" pitchFamily="34" charset="-120"/>
               </a:rPr>
-              <a:t>意   我</a:t>
-            </a:r>
-            <a:r>
-              <a:rPr lang="zh-TW" altLang="en-US" sz="5400" b="1" dirty="0">
-                <a:latin typeface="Microsoft JhengHei" pitchFamily="34" charset="-120"/>
-                <a:ea typeface="Microsoft JhengHei" pitchFamily="34" charset="-120"/>
-              </a:rPr>
-              <a:t>仍要跟</a:t>
-            </a:r>
-            <a:r>
-              <a:rPr lang="zh-CN" altLang="en-US" sz="5400" b="1" dirty="0">
-                <a:latin typeface="Microsoft JhengHei" pitchFamily="34" charset="-120"/>
-                <a:ea typeface="Microsoft JhengHei" pitchFamily="34" charset="-120"/>
-              </a:rPr>
-              <a:t>從</a:t>
-            </a:r>
-            <a:endParaRPr lang="en-US" altLang="zh-TW" sz="5400" b="1" dirty="0">
-              <a:latin typeface="Microsoft JhengHei" pitchFamily="34" charset="-120"/>
-              <a:ea typeface="Microsoft JhengHei" pitchFamily="34" charset="-120"/>
-            </a:endParaRPr>
-          </a:p>
-          <a:p>
-            <a:pPr marL="0" indent="0" algn="ctr">
-              <a:buNone/>
-            </a:pPr>
-            <a:r>
-              <a:rPr lang="zh-CN" altLang="en-US" sz="5400" b="1" dirty="0" smtClean="0">
-                <a:latin typeface="Microsoft JhengHei" pitchFamily="34" charset="-120"/>
-                <a:ea typeface="Microsoft JhengHei" pitchFamily="34" charset="-120"/>
-              </a:rPr>
-              <a:t>雖</a:t>
-            </a:r>
-            <a:r>
-              <a:rPr lang="zh-TW" altLang="en-US" sz="5400" b="1" dirty="0" smtClean="0">
-                <a:latin typeface="Microsoft JhengHei" pitchFamily="34" charset="-120"/>
-                <a:ea typeface="Microsoft JhengHei" pitchFamily="34" charset="-120"/>
-              </a:rPr>
-              <a:t>無</a:t>
-            </a:r>
-            <a:r>
-              <a:rPr lang="zh-TW" altLang="en-US" sz="5400" b="1" dirty="0">
-                <a:latin typeface="Microsoft JhengHei" pitchFamily="34" charset="-120"/>
-                <a:ea typeface="Microsoft JhengHei" pitchFamily="34" charset="-120"/>
-              </a:rPr>
-              <a:t>人願</a:t>
-            </a:r>
-            <a:r>
-              <a:rPr lang="zh-TW" altLang="en-US" sz="5400" b="1" dirty="0" smtClean="0">
-                <a:latin typeface="Microsoft JhengHei" pitchFamily="34" charset="-120"/>
-                <a:ea typeface="Microsoft JhengHei" pitchFamily="34" charset="-120"/>
-              </a:rPr>
-              <a:t>意   我</a:t>
-            </a:r>
-            <a:r>
-              <a:rPr lang="zh-TW" altLang="en-US" sz="5400" b="1" dirty="0">
-                <a:latin typeface="Microsoft JhengHei" pitchFamily="34" charset="-120"/>
-                <a:ea typeface="Microsoft JhengHei" pitchFamily="34" charset="-120"/>
-              </a:rPr>
-              <a:t>仍要</a:t>
-            </a:r>
-            <a:r>
-              <a:rPr lang="zh-TW" altLang="en-US" sz="5400" b="1" dirty="0" smtClean="0">
-                <a:latin typeface="Microsoft JhengHei" pitchFamily="34" charset="-120"/>
-                <a:ea typeface="Microsoft JhengHei" pitchFamily="34" charset="-120"/>
-              </a:rPr>
-              <a:t>跟</a:t>
-            </a:r>
-            <a:r>
-              <a:rPr lang="zh-CN" altLang="en-US" sz="5400" b="1" dirty="0" smtClean="0">
-                <a:latin typeface="Microsoft JhengHei" pitchFamily="34" charset="-120"/>
-                <a:ea typeface="Microsoft JhengHei" pitchFamily="34" charset="-120"/>
-              </a:rPr>
-              <a:t>從</a:t>
-            </a:r>
-            <a:endParaRPr lang="en-US" altLang="zh-TW" sz="5400" b="1" dirty="0">
-              <a:latin typeface="Microsoft JhengHei" pitchFamily="34" charset="-120"/>
-              <a:ea typeface="Microsoft JhengHei" pitchFamily="34" charset="-120"/>
-            </a:endParaRPr>
-          </a:p>
-          <a:p>
-            <a:pPr marL="0" indent="0" algn="ctr">
-              <a:buNone/>
-            </a:pPr>
-            <a:r>
-              <a:rPr lang="zh-CN" altLang="en-US" sz="5400" b="1" dirty="0" smtClean="0">
-                <a:latin typeface="Microsoft JhengHei" pitchFamily="34" charset="-120"/>
-                <a:ea typeface="Microsoft JhengHei" pitchFamily="34" charset="-120"/>
-              </a:rPr>
-              <a:t>雖</a:t>
-            </a:r>
-            <a:r>
-              <a:rPr lang="zh-TW" altLang="en-US" sz="5400" b="1" dirty="0" smtClean="0">
-                <a:latin typeface="Microsoft JhengHei" pitchFamily="34" charset="-120"/>
-                <a:ea typeface="Microsoft JhengHei" pitchFamily="34" charset="-120"/>
-              </a:rPr>
-              <a:t>無</a:t>
-            </a:r>
-            <a:r>
-              <a:rPr lang="zh-TW" altLang="en-US" sz="5400" b="1" dirty="0">
-                <a:latin typeface="Microsoft JhengHei" pitchFamily="34" charset="-120"/>
-                <a:ea typeface="Microsoft JhengHei" pitchFamily="34" charset="-120"/>
-              </a:rPr>
-              <a:t>人願</a:t>
-            </a:r>
-            <a:r>
-              <a:rPr lang="zh-TW" altLang="en-US" sz="5400" b="1" dirty="0" smtClean="0">
-                <a:latin typeface="Microsoft JhengHei" pitchFamily="34" charset="-120"/>
-                <a:ea typeface="Microsoft JhengHei" pitchFamily="34" charset="-120"/>
-              </a:rPr>
-              <a:t>意   我</a:t>
-            </a:r>
-            <a:r>
-              <a:rPr lang="zh-TW" altLang="en-US" sz="5400" b="1" dirty="0">
-                <a:latin typeface="Microsoft JhengHei" pitchFamily="34" charset="-120"/>
-                <a:ea typeface="Microsoft JhengHei" pitchFamily="34" charset="-120"/>
-              </a:rPr>
-              <a:t>仍要</a:t>
-            </a:r>
-            <a:r>
-              <a:rPr lang="zh-TW" altLang="en-US" sz="5400" b="1" dirty="0" smtClean="0">
-                <a:latin typeface="Microsoft JhengHei" pitchFamily="34" charset="-120"/>
-                <a:ea typeface="Microsoft JhengHei" pitchFamily="34" charset="-120"/>
-              </a:rPr>
-              <a:t>跟</a:t>
-            </a:r>
-            <a:r>
-              <a:rPr lang="zh-CN" altLang="en-US" sz="5400" b="1" dirty="0" smtClean="0">
-                <a:latin typeface="Microsoft JhengHei" pitchFamily="34" charset="-120"/>
-                <a:ea typeface="Microsoft JhengHei" pitchFamily="34" charset="-120"/>
-              </a:rPr>
-              <a:t>從</a:t>
+              <a:t>永不倒退  永不倒退</a:t>
             </a:r>
             <a:endParaRPr lang="en-US" altLang="zh-TW" sz="5400" b="1" dirty="0" smtClean="0">
-              <a:latin typeface="Microsoft JhengHei" pitchFamily="34" charset="-120"/>
-              <a:ea typeface="Microsoft JhengHei" pitchFamily="34" charset="-120"/>
-            </a:endParaRPr>
-          </a:p>
-          <a:p>
-            <a:pPr marL="0" indent="0" algn="ctr">
-              <a:buNone/>
-            </a:pPr>
-            <a:r>
-              <a:rPr lang="zh-CN" altLang="en-US" sz="5400" b="1" dirty="0" smtClean="0">
-                <a:latin typeface="Microsoft JhengHei" pitchFamily="34" charset="-120"/>
-                <a:ea typeface="Microsoft JhengHei" pitchFamily="34" charset="-120"/>
-              </a:rPr>
-              <a:t>永不轉回   永不轉回</a:t>
-            </a:r>
-            <a:endParaRPr lang="en-US" altLang="zh-TW" sz="5400" b="1" dirty="0" smtClean="0">
-              <a:latin typeface="Microsoft JhengHei" pitchFamily="34" charset="-120"/>
-              <a:ea typeface="Microsoft JhengHei" pitchFamily="34" charset="-120"/>
+              <a:solidFill>
+                <a:srgbClr val="000066"/>
+              </a:solidFill>
+              <a:latin typeface="微軟正黑體" pitchFamily="34" charset="-120"/>
+              <a:ea typeface="微軟正黑體" pitchFamily="34" charset="-120"/>
             </a:endParaRPr>
           </a:p>
         </p:txBody>
@@ -3533,7 +3502,7 @@
     </p:spTree>
     <p:extLst>
       <p:ext uri="{BB962C8B-B14F-4D97-AF65-F5344CB8AC3E}">
-        <p14:creationId xmlns:p14="http://schemas.microsoft.com/office/powerpoint/2010/main" xmlns="" val="3994272199"/>
+        <p14:creationId xmlns="" xmlns:p14="http://schemas.microsoft.com/office/powerpoint/2010/main" val="3994272199"/>
       </p:ext>
     </p:extLst>
   </p:cSld>
@@ -3572,17 +3541,25 @@
         </p:nvSpPr>
         <p:spPr/>
         <p:txBody>
-          <a:bodyPr/>
+          <a:bodyPr>
+            <a:normAutofit/>
+          </a:bodyPr>
           <a:lstStyle/>
           <a:p>
             <a:r>
               <a:rPr lang="zh-TW" altLang="en-US" b="1" dirty="0" smtClean="0">
+                <a:solidFill>
+                  <a:srgbClr val="000066"/>
+                </a:solidFill>
                 <a:latin typeface="Microsoft JhengHei" pitchFamily="34" charset="-120"/>
                 <a:ea typeface="Microsoft JhengHei" pitchFamily="34" charset="-120"/>
               </a:rPr>
               <a:t>我已經決定</a:t>
             </a:r>
-            <a:endParaRPr lang="en-US" b="1" dirty="0">
+            <a:endParaRPr lang="en-US" altLang="en-US" b="1" dirty="0">
+              <a:solidFill>
+                <a:srgbClr val="000066"/>
+              </a:solidFill>
               <a:latin typeface="Microsoft JhengHei" pitchFamily="34" charset="-120"/>
               <a:ea typeface="Microsoft JhengHei" pitchFamily="34" charset="-120"/>
             </a:endParaRPr>
@@ -3610,15 +3587,21 @@
               <a:buNone/>
             </a:pPr>
             <a:r>
-              <a:rPr lang="zh-TW" altLang="en-US" sz="5400" b="1" dirty="0">
-                <a:latin typeface="Microsoft JhengHei" pitchFamily="34" charset="-120"/>
-                <a:ea typeface="Microsoft JhengHei" pitchFamily="34" charset="-120"/>
+              <a:rPr lang="zh-TW" altLang="en-US" sz="5400" b="1" dirty="0" smtClean="0">
+                <a:solidFill>
+                  <a:srgbClr val="000066"/>
+                </a:solidFill>
+                <a:latin typeface="微軟正黑體" pitchFamily="34" charset="-120"/>
+                <a:ea typeface="微軟正黑體" pitchFamily="34" charset="-120"/>
               </a:rPr>
-              <a:t>世界在背後   十架在前頭</a:t>
-            </a:r>
-            <a:endParaRPr lang="en-US" altLang="zh-TW" sz="5400" b="1" dirty="0">
-              <a:latin typeface="Microsoft JhengHei" pitchFamily="34" charset="-120"/>
-              <a:ea typeface="Microsoft JhengHei" pitchFamily="34" charset="-120"/>
+              <a:t>世界在背後  十架在前頭</a:t>
+            </a:r>
+            <a:endParaRPr lang="en-US" altLang="zh-TW" sz="5400" b="1" dirty="0" smtClean="0">
+              <a:solidFill>
+                <a:srgbClr val="000066"/>
+              </a:solidFill>
+              <a:latin typeface="微軟正黑體" pitchFamily="34" charset="-120"/>
+              <a:ea typeface="微軟正黑體" pitchFamily="34" charset="-120"/>
             </a:endParaRPr>
           </a:p>
           <a:p>
@@ -3626,15 +3609,21 @@
               <a:buNone/>
             </a:pPr>
             <a:r>
-              <a:rPr lang="zh-TW" altLang="en-US" sz="5400" b="1" dirty="0">
-                <a:latin typeface="Microsoft JhengHei" pitchFamily="34" charset="-120"/>
-                <a:ea typeface="Microsoft JhengHei" pitchFamily="34" charset="-120"/>
+              <a:rPr lang="zh-TW" altLang="en-US" sz="5400" b="1" dirty="0" smtClean="0">
+                <a:solidFill>
+                  <a:srgbClr val="000066"/>
+                </a:solidFill>
+                <a:latin typeface="微軟正黑體" pitchFamily="34" charset="-120"/>
+                <a:ea typeface="微軟正黑體" pitchFamily="34" charset="-120"/>
               </a:rPr>
-              <a:t>世界在背後   十架在前頭</a:t>
-            </a:r>
-            <a:endParaRPr lang="en-US" altLang="zh-TW" sz="5400" b="1" dirty="0">
-              <a:latin typeface="Microsoft JhengHei" pitchFamily="34" charset="-120"/>
-              <a:ea typeface="Microsoft JhengHei" pitchFamily="34" charset="-120"/>
+              <a:t>世界在背後  十架在前頭</a:t>
+            </a:r>
+            <a:endParaRPr lang="en-US" altLang="zh-TW" sz="5400" b="1" dirty="0" smtClean="0">
+              <a:solidFill>
+                <a:srgbClr val="000066"/>
+              </a:solidFill>
+              <a:latin typeface="微軟正黑體" pitchFamily="34" charset="-120"/>
+              <a:ea typeface="微軟正黑體" pitchFamily="34" charset="-120"/>
             </a:endParaRPr>
           </a:p>
           <a:p>
@@ -3642,15 +3631,21 @@
               <a:buNone/>
             </a:pPr>
             <a:r>
-              <a:rPr lang="zh-TW" altLang="en-US" sz="5400" b="1" dirty="0">
-                <a:latin typeface="Microsoft JhengHei" pitchFamily="34" charset="-120"/>
-                <a:ea typeface="Microsoft JhengHei" pitchFamily="34" charset="-120"/>
+              <a:rPr lang="zh-TW" altLang="en-US" sz="5400" b="1" dirty="0" smtClean="0">
+                <a:solidFill>
+                  <a:srgbClr val="000066"/>
+                </a:solidFill>
+                <a:latin typeface="微軟正黑體" pitchFamily="34" charset="-120"/>
+                <a:ea typeface="微軟正黑體" pitchFamily="34" charset="-120"/>
               </a:rPr>
-              <a:t>世界在背後   十架在前頭</a:t>
-            </a:r>
-            <a:endParaRPr lang="en-US" altLang="zh-TW" sz="5400" b="1" dirty="0">
-              <a:latin typeface="Microsoft JhengHei" pitchFamily="34" charset="-120"/>
-              <a:ea typeface="Microsoft JhengHei" pitchFamily="34" charset="-120"/>
+              <a:t>世界在背後  十架在前頭</a:t>
+            </a:r>
+            <a:endParaRPr lang="en-US" altLang="zh-TW" sz="5400" b="1" dirty="0" smtClean="0">
+              <a:solidFill>
+                <a:srgbClr val="000066"/>
+              </a:solidFill>
+              <a:latin typeface="微軟正黑體" pitchFamily="34" charset="-120"/>
+              <a:ea typeface="微軟正黑體" pitchFamily="34" charset="-120"/>
             </a:endParaRPr>
           </a:p>
           <a:p>
@@ -3658,15 +3653,21 @@
               <a:buNone/>
             </a:pPr>
             <a:r>
-              <a:rPr lang="zh-CN" altLang="en-US" sz="5400" b="1" dirty="0" smtClean="0">
-                <a:latin typeface="Microsoft JhengHei" pitchFamily="34" charset="-120"/>
-                <a:ea typeface="Microsoft JhengHei" pitchFamily="34" charset="-120"/>
+              <a:rPr lang="zh-TW" altLang="en-US" sz="5400" b="1" dirty="0" smtClean="0">
+                <a:solidFill>
+                  <a:srgbClr val="000066"/>
+                </a:solidFill>
+                <a:latin typeface="微軟正黑體" pitchFamily="34" charset="-120"/>
+                <a:ea typeface="微軟正黑體" pitchFamily="34" charset="-120"/>
               </a:rPr>
-              <a:t>永不轉回   永不轉回</a:t>
+              <a:t>永不回頭  永不回頭</a:t>
             </a:r>
             <a:endParaRPr lang="en-US" altLang="zh-TW" sz="5400" b="1" dirty="0" smtClean="0">
-              <a:latin typeface="Microsoft JhengHei" pitchFamily="34" charset="-120"/>
-              <a:ea typeface="Microsoft JhengHei" pitchFamily="34" charset="-120"/>
+              <a:solidFill>
+                <a:srgbClr val="000066"/>
+              </a:solidFill>
+              <a:latin typeface="微軟正黑體" pitchFamily="34" charset="-120"/>
+              <a:ea typeface="微軟正黑體" pitchFamily="34" charset="-120"/>
             </a:endParaRPr>
           </a:p>
         </p:txBody>
@@ -3674,7 +3675,7 @@
     </p:spTree>
     <p:extLst>
       <p:ext uri="{BB962C8B-B14F-4D97-AF65-F5344CB8AC3E}">
-        <p14:creationId xmlns:p14="http://schemas.microsoft.com/office/powerpoint/2010/main" xmlns="" val="2837600757"/>
+        <p14:creationId xmlns="" xmlns:p14="http://schemas.microsoft.com/office/powerpoint/2010/main" val="2837600757"/>
       </p:ext>
     </p:extLst>
   </p:cSld>

--- a/我已經決定_version2.pptx
+++ b/我已經決定_version2.pptx
@@ -5,11 +5,15 @@
     <p:sldMasterId id="2147483660" r:id="rId1"/>
   </p:sldMasterIdLst>
   <p:sldIdLst>
-    <p:sldId id="257" r:id="rId2"/>
-    <p:sldId id="258" r:id="rId3"/>
-    <p:sldId id="259" r:id="rId4"/>
+    <p:sldId id="260" r:id="rId2"/>
+    <p:sldId id="261" r:id="rId3"/>
+    <p:sldId id="262" r:id="rId4"/>
+    <p:sldId id="263" r:id="rId5"/>
+    <p:sldId id="264" r:id="rId6"/>
+    <p:sldId id="265" r:id="rId7"/>
+    <p:sldId id="266" r:id="rId8"/>
   </p:sldIdLst>
-  <p:sldSz cx="9144000" cy="6858000" type="screen4x3"/>
+  <p:sldSz cx="12192000" cy="6858000"/>
   <p:notesSz cx="6858000" cy="9144000"/>
   <p:defaultTextStyle>
     <a:defPPr>
@@ -106,6 +110,22 @@
       </a:defRPr>
     </a:lvl9pPr>
   </p:defaultTextStyle>
+  <p:extLst>
+    <p:ext uri="{EFAFB233-063F-42B5-8137-9DF3F51BA10A}">
+      <p15:sldGuideLst xmlns:p15="http://schemas.microsoft.com/office/powerpoint/2012/main">
+        <p15:guide id="1" orient="horz" pos="2160" userDrawn="1">
+          <p15:clr>
+            <a:srgbClr val="A4A3A4"/>
+          </p15:clr>
+        </p15:guide>
+        <p15:guide id="2" pos="3840" userDrawn="1">
+          <p15:clr>
+            <a:srgbClr val="A4A3A4"/>
+          </p15:clr>
+        </p15:guide>
+      </p15:sldGuideLst>
+    </p:ext>
+  </p:extLst>
 </p:presentation>
 </file>
 
@@ -138,8 +158,8 @@
         </p:nvSpPr>
         <p:spPr>
           <a:xfrm>
-            <a:off x="685800" y="2130425"/>
-            <a:ext cx="7772400" cy="1470025"/>
+            <a:off x="914400" y="2130426"/>
+            <a:ext cx="10363200" cy="1470025"/>
           </a:xfrm>
         </p:spPr>
         <p:txBody>
@@ -166,8 +186,8 @@
         </p:nvSpPr>
         <p:spPr>
           <a:xfrm>
-            <a:off x="1371600" y="3886200"/>
-            <a:ext cx="6400800" cy="1752600"/>
+            <a:off x="1828800" y="3886200"/>
+            <a:ext cx="8534400" cy="1752600"/>
           </a:xfrm>
         </p:spPr>
         <p:txBody>
@@ -291,7 +311,7 @@
             <a:fld id="{D792ABAC-BF4C-4256-9FBE-7324EDD8265A}" type="datetimeFigureOut">
               <a:rPr lang="en-US" smtClean="0"/>
               <a:pPr/>
-              <a:t>2/3/2019</a:t>
+              <a:t>9/17/2022</a:t>
             </a:fld>
             <a:endParaRPr lang="en-US"/>
           </a:p>
@@ -458,7 +478,7 @@
             <a:fld id="{D792ABAC-BF4C-4256-9FBE-7324EDD8265A}" type="datetimeFigureOut">
               <a:rPr lang="en-US" smtClean="0"/>
               <a:pPr/>
-              <a:t>2/3/2019</a:t>
+              <a:t>9/17/2022</a:t>
             </a:fld>
             <a:endParaRPr lang="en-US"/>
           </a:p>
@@ -544,8 +564,8 @@
         </p:nvSpPr>
         <p:spPr>
           <a:xfrm>
-            <a:off x="6629400" y="274638"/>
-            <a:ext cx="2057400" cy="5851525"/>
+            <a:off x="8839200" y="274639"/>
+            <a:ext cx="2743200" cy="5851525"/>
           </a:xfrm>
         </p:spPr>
         <p:txBody>
@@ -572,8 +592,8 @@
         </p:nvSpPr>
         <p:spPr>
           <a:xfrm>
-            <a:off x="457200" y="274638"/>
-            <a:ext cx="6019800" cy="5851525"/>
+            <a:off x="609600" y="274639"/>
+            <a:ext cx="8026400" cy="5851525"/>
           </a:xfrm>
         </p:spPr>
         <p:txBody>
@@ -635,7 +655,7 @@
             <a:fld id="{D792ABAC-BF4C-4256-9FBE-7324EDD8265A}" type="datetimeFigureOut">
               <a:rPr lang="en-US" smtClean="0"/>
               <a:pPr/>
-              <a:t>2/3/2019</a:t>
+              <a:t>9/17/2022</a:t>
             </a:fld>
             <a:endParaRPr lang="en-US"/>
           </a:p>
@@ -802,7 +822,7 @@
             <a:fld id="{D792ABAC-BF4C-4256-9FBE-7324EDD8265A}" type="datetimeFigureOut">
               <a:rPr lang="en-US" smtClean="0"/>
               <a:pPr/>
-              <a:t>2/3/2019</a:t>
+              <a:t>9/17/2022</a:t>
             </a:fld>
             <a:endParaRPr lang="en-US"/>
           </a:p>
@@ -888,8 +908,8 @@
         </p:nvSpPr>
         <p:spPr>
           <a:xfrm>
-            <a:off x="722313" y="4406900"/>
-            <a:ext cx="7772400" cy="1362075"/>
+            <a:off x="963084" y="4406901"/>
+            <a:ext cx="10363200" cy="1362075"/>
           </a:xfrm>
         </p:spPr>
         <p:txBody>
@@ -920,8 +940,8 @@
         </p:nvSpPr>
         <p:spPr>
           <a:xfrm>
-            <a:off x="722313" y="2906713"/>
-            <a:ext cx="7772400" cy="1500187"/>
+            <a:off x="963084" y="2906713"/>
+            <a:ext cx="10363200" cy="1500187"/>
           </a:xfrm>
         </p:spPr>
         <p:txBody>
@@ -1045,7 +1065,7 @@
             <a:fld id="{D792ABAC-BF4C-4256-9FBE-7324EDD8265A}" type="datetimeFigureOut">
               <a:rPr lang="en-US" smtClean="0"/>
               <a:pPr/>
-              <a:t>2/3/2019</a:t>
+              <a:t>9/17/2022</a:t>
             </a:fld>
             <a:endParaRPr lang="en-US"/>
           </a:p>
@@ -1154,8 +1174,8 @@
         </p:nvSpPr>
         <p:spPr>
           <a:xfrm>
-            <a:off x="457200" y="1600200"/>
-            <a:ext cx="4038600" cy="4525963"/>
+            <a:off x="609600" y="1600201"/>
+            <a:ext cx="5384800" cy="4525963"/>
           </a:xfrm>
         </p:spPr>
         <p:txBody>
@@ -1239,8 +1259,8 @@
         </p:nvSpPr>
         <p:spPr>
           <a:xfrm>
-            <a:off x="4648200" y="1600200"/>
-            <a:ext cx="4038600" cy="4525963"/>
+            <a:off x="6197600" y="1600201"/>
+            <a:ext cx="5384800" cy="4525963"/>
           </a:xfrm>
         </p:spPr>
         <p:txBody>
@@ -1330,7 +1350,7 @@
             <a:fld id="{D792ABAC-BF4C-4256-9FBE-7324EDD8265A}" type="datetimeFigureOut">
               <a:rPr lang="en-US" smtClean="0"/>
               <a:pPr/>
-              <a:t>2/3/2019</a:t>
+              <a:t>9/17/2022</a:t>
             </a:fld>
             <a:endParaRPr lang="en-US"/>
           </a:p>
@@ -1443,8 +1463,8 @@
         </p:nvSpPr>
         <p:spPr>
           <a:xfrm>
-            <a:off x="457200" y="1535113"/>
-            <a:ext cx="4040188" cy="639762"/>
+            <a:off x="609600" y="1535113"/>
+            <a:ext cx="5386917" cy="639762"/>
           </a:xfrm>
         </p:spPr>
         <p:txBody>
@@ -1508,8 +1528,8 @@
         </p:nvSpPr>
         <p:spPr>
           <a:xfrm>
-            <a:off x="457200" y="2174875"/>
-            <a:ext cx="4040188" cy="3951288"/>
+            <a:off x="609600" y="2174875"/>
+            <a:ext cx="5386917" cy="3951288"/>
           </a:xfrm>
         </p:spPr>
         <p:txBody>
@@ -1593,8 +1613,8 @@
         </p:nvSpPr>
         <p:spPr>
           <a:xfrm>
-            <a:off x="4645025" y="1535113"/>
-            <a:ext cx="4041775" cy="639762"/>
+            <a:off x="6193368" y="1535113"/>
+            <a:ext cx="5389033" cy="639762"/>
           </a:xfrm>
         </p:spPr>
         <p:txBody>
@@ -1658,8 +1678,8 @@
         </p:nvSpPr>
         <p:spPr>
           <a:xfrm>
-            <a:off x="4645025" y="2174875"/>
-            <a:ext cx="4041775" cy="3951288"/>
+            <a:off x="6193368" y="2174875"/>
+            <a:ext cx="5389033" cy="3951288"/>
           </a:xfrm>
         </p:spPr>
         <p:txBody>
@@ -1749,7 +1769,7 @@
             <a:fld id="{D792ABAC-BF4C-4256-9FBE-7324EDD8265A}" type="datetimeFigureOut">
               <a:rPr lang="en-US" smtClean="0"/>
               <a:pPr/>
-              <a:t>2/3/2019</a:t>
+              <a:t>9/17/2022</a:t>
             </a:fld>
             <a:endParaRPr lang="en-US"/>
           </a:p>
@@ -1864,7 +1884,7 @@
             <a:fld id="{D792ABAC-BF4C-4256-9FBE-7324EDD8265A}" type="datetimeFigureOut">
               <a:rPr lang="en-US" smtClean="0"/>
               <a:pPr/>
-              <a:t>2/3/2019</a:t>
+              <a:t>9/17/2022</a:t>
             </a:fld>
             <a:endParaRPr lang="en-US"/>
           </a:p>
@@ -1956,7 +1976,7 @@
             <a:fld id="{D792ABAC-BF4C-4256-9FBE-7324EDD8265A}" type="datetimeFigureOut">
               <a:rPr lang="en-US" smtClean="0"/>
               <a:pPr/>
-              <a:t>2/3/2019</a:t>
+              <a:t>9/17/2022</a:t>
             </a:fld>
             <a:endParaRPr lang="en-US"/>
           </a:p>
@@ -2042,8 +2062,8 @@
         </p:nvSpPr>
         <p:spPr>
           <a:xfrm>
-            <a:off x="457200" y="273050"/>
-            <a:ext cx="3008313" cy="1162050"/>
+            <a:off x="609601" y="273050"/>
+            <a:ext cx="4011084" cy="1162050"/>
           </a:xfrm>
         </p:spPr>
         <p:txBody>
@@ -2074,8 +2094,8 @@
         </p:nvSpPr>
         <p:spPr>
           <a:xfrm>
-            <a:off x="3575050" y="273050"/>
-            <a:ext cx="5111750" cy="5853113"/>
+            <a:off x="4766733" y="273051"/>
+            <a:ext cx="6815667" cy="5853113"/>
           </a:xfrm>
         </p:spPr>
         <p:txBody>
@@ -2159,8 +2179,8 @@
         </p:nvSpPr>
         <p:spPr>
           <a:xfrm>
-            <a:off x="457200" y="1435100"/>
-            <a:ext cx="3008313" cy="4691063"/>
+            <a:off x="609601" y="1435101"/>
+            <a:ext cx="4011084" cy="4691063"/>
           </a:xfrm>
         </p:spPr>
         <p:txBody>
@@ -2230,7 +2250,7 @@
             <a:fld id="{D792ABAC-BF4C-4256-9FBE-7324EDD8265A}" type="datetimeFigureOut">
               <a:rPr lang="en-US" smtClean="0"/>
               <a:pPr/>
-              <a:t>2/3/2019</a:t>
+              <a:t>9/17/2022</a:t>
             </a:fld>
             <a:endParaRPr lang="en-US"/>
           </a:p>
@@ -2316,8 +2336,8 @@
         </p:nvSpPr>
         <p:spPr>
           <a:xfrm>
-            <a:off x="1792288" y="4800600"/>
-            <a:ext cx="5486400" cy="566738"/>
+            <a:off x="2389717" y="4800600"/>
+            <a:ext cx="7315200" cy="566738"/>
           </a:xfrm>
         </p:spPr>
         <p:txBody>
@@ -2348,8 +2368,8 @@
         </p:nvSpPr>
         <p:spPr>
           <a:xfrm>
-            <a:off x="1792288" y="612775"/>
-            <a:ext cx="5486400" cy="4114800"/>
+            <a:off x="2389717" y="612775"/>
+            <a:ext cx="7315200" cy="4114800"/>
           </a:xfrm>
         </p:spPr>
         <p:txBody>
@@ -2413,8 +2433,8 @@
         </p:nvSpPr>
         <p:spPr>
           <a:xfrm>
-            <a:off x="1792288" y="5367338"/>
-            <a:ext cx="5486400" cy="804862"/>
+            <a:off x="2389717" y="5367338"/>
+            <a:ext cx="7315200" cy="804862"/>
           </a:xfrm>
         </p:spPr>
         <p:txBody>
@@ -2484,7 +2504,7 @@
             <a:fld id="{D792ABAC-BF4C-4256-9FBE-7324EDD8265A}" type="datetimeFigureOut">
               <a:rPr lang="en-US" smtClean="0"/>
               <a:pPr/>
-              <a:t>2/3/2019</a:t>
+              <a:t>9/17/2022</a:t>
             </a:fld>
             <a:endParaRPr lang="en-US"/>
           </a:p>
@@ -2580,8 +2600,8 @@
         </p:nvSpPr>
         <p:spPr>
           <a:xfrm>
-            <a:off x="457200" y="274638"/>
-            <a:ext cx="8229600" cy="1143000"/>
+            <a:off x="609600" y="274638"/>
+            <a:ext cx="10972800" cy="1143000"/>
           </a:xfrm>
           <a:prstGeom prst="rect">
             <a:avLst/>
@@ -2613,8 +2633,8 @@
         </p:nvSpPr>
         <p:spPr>
           <a:xfrm>
-            <a:off x="457200" y="1600200"/>
-            <a:ext cx="8229600" cy="4525963"/>
+            <a:off x="609600" y="1600201"/>
+            <a:ext cx="10972800" cy="4525963"/>
           </a:xfrm>
           <a:prstGeom prst="rect">
             <a:avLst/>
@@ -2675,8 +2695,8 @@
         </p:nvSpPr>
         <p:spPr>
           <a:xfrm>
-            <a:off x="457200" y="6356350"/>
-            <a:ext cx="2133600" cy="365125"/>
+            <a:off x="609600" y="6356351"/>
+            <a:ext cx="2844800" cy="365125"/>
           </a:xfrm>
           <a:prstGeom prst="rect">
             <a:avLst/>
@@ -2699,7 +2719,7 @@
             <a:fld id="{D792ABAC-BF4C-4256-9FBE-7324EDD8265A}" type="datetimeFigureOut">
               <a:rPr lang="en-US" smtClean="0"/>
               <a:pPr/>
-              <a:t>2/3/2019</a:t>
+              <a:t>9/17/2022</a:t>
             </a:fld>
             <a:endParaRPr lang="en-US"/>
           </a:p>
@@ -2717,8 +2737,8 @@
         </p:nvSpPr>
         <p:spPr>
           <a:xfrm>
-            <a:off x="3124200" y="6356350"/>
-            <a:ext cx="2895600" cy="365125"/>
+            <a:off x="4165600" y="6356351"/>
+            <a:ext cx="3860800" cy="365125"/>
           </a:xfrm>
           <a:prstGeom prst="rect">
             <a:avLst/>
@@ -2754,8 +2774,8 @@
         </p:nvSpPr>
         <p:spPr>
           <a:xfrm>
-            <a:off x="6553200" y="6356350"/>
-            <a:ext cx="2133600" cy="365125"/>
+            <a:off x="8737600" y="6356351"/>
+            <a:ext cx="2844800" cy="365125"/>
           </a:xfrm>
           <a:prstGeom prst="rect">
             <a:avLst/>
@@ -3072,264 +3092,67 @@
       </p:grpSpPr>
       <p:sp>
         <p:nvSpPr>
-          <p:cNvPr id="2" name="Title 1"/>
+          <p:cNvPr id="4" name="標題 3"/>
           <p:cNvSpPr>
             <a:spLocks noGrp="1"/>
           </p:cNvSpPr>
           <p:nvPr>
             <p:ph type="title"/>
-          </p:nvPr>
-        </p:nvSpPr>
-        <p:spPr/>
-        <p:txBody>
-          <a:bodyPr/>
-          <a:lstStyle/>
-          <a:p>
-            <a:r>
-              <a:rPr lang="zh-TW" altLang="en-US" b="1" dirty="0" smtClean="0">
-                <a:solidFill>
-                  <a:srgbClr val="000066"/>
-                </a:solidFill>
-                <a:latin typeface="Microsoft JhengHei" pitchFamily="34" charset="-120"/>
-                <a:ea typeface="Microsoft JhengHei" pitchFamily="34" charset="-120"/>
-              </a:rPr>
-              <a:t>我已經決定</a:t>
-            </a:r>
-            <a:endParaRPr lang="en-US" b="1" dirty="0">
-              <a:solidFill>
-                <a:srgbClr val="000066"/>
-              </a:solidFill>
-              <a:latin typeface="Microsoft JhengHei" pitchFamily="34" charset="-120"/>
-              <a:ea typeface="Microsoft JhengHei" pitchFamily="34" charset="-120"/>
-            </a:endParaRPr>
-          </a:p>
-        </p:txBody>
-      </p:sp>
-      <p:sp>
-        <p:nvSpPr>
-          <p:cNvPr id="3" name="Content Placeholder 2"/>
-          <p:cNvSpPr>
-            <a:spLocks noGrp="1"/>
-          </p:cNvSpPr>
-          <p:nvPr>
-            <p:ph idx="1"/>
           </p:nvPr>
         </p:nvSpPr>
         <p:spPr>
           <a:xfrm>
-            <a:off x="0" y="1600200"/>
-            <a:ext cx="9144000" cy="4525963"/>
+            <a:off x="0" y="2660915"/>
+            <a:ext cx="12192000" cy="1143000"/>
           </a:xfrm>
         </p:spPr>
         <p:txBody>
           <a:bodyPr>
-            <a:normAutofit/>
+            <a:noAutofit/>
           </a:bodyPr>
           <a:lstStyle/>
           <a:p>
-            <a:pPr marL="0" indent="0" algn="ctr">
-              <a:buNone/>
-            </a:pPr>
-            <a:r>
-              <a:rPr lang="zh-TW" altLang="en-US" sz="5400" b="1" dirty="0" smtClean="0">
+            <a:r>
+              <a:rPr lang="zh-TW" altLang="en-US" sz="7200" b="1" i="1" dirty="0">
                 <a:solidFill>
                   <a:srgbClr val="000066"/>
                 </a:solidFill>
-                <a:latin typeface="微軟正黑體" pitchFamily="34" charset="-120"/>
-                <a:ea typeface="微軟正黑體" pitchFamily="34" charset="-120"/>
-              </a:rPr>
-              <a:t>我已經</a:t>
-            </a:r>
-            <a:r>
-              <a:rPr lang="zh-TW" altLang="en-US" sz="5400" b="1" dirty="0" smtClean="0">
-                <a:solidFill>
-                  <a:srgbClr val="000066"/>
-                </a:solidFill>
-                <a:latin typeface="微軟正黑體" pitchFamily="34" charset="-120"/>
-                <a:ea typeface="微軟正黑體" pitchFamily="34" charset="-120"/>
-              </a:rPr>
-              <a:t>決定  跟隨</a:t>
-            </a:r>
-            <a:r>
-              <a:rPr lang="zh-TW" altLang="en-US" sz="5400" b="1" dirty="0" smtClean="0">
-                <a:solidFill>
-                  <a:srgbClr val="000066"/>
-                </a:solidFill>
-                <a:latin typeface="微軟正黑體" pitchFamily="34" charset="-120"/>
-                <a:ea typeface="微軟正黑體" pitchFamily="34" charset="-120"/>
-              </a:rPr>
-              <a:t>主</a:t>
-            </a:r>
-            <a:r>
-              <a:rPr lang="zh-TW" altLang="en-US" sz="5400" b="1" dirty="0" smtClean="0">
-                <a:solidFill>
-                  <a:srgbClr val="000066"/>
-                </a:solidFill>
-                <a:latin typeface="微軟正黑體" pitchFamily="34" charset="-120"/>
-                <a:ea typeface="微軟正黑體" pitchFamily="34" charset="-120"/>
-              </a:rPr>
-              <a:t>耶穌</a:t>
-            </a:r>
-            <a:endParaRPr lang="en-US" altLang="zh-TW" sz="5400" b="1" dirty="0" smtClean="0">
-              <a:solidFill>
-                <a:srgbClr val="000066"/>
-              </a:solidFill>
-              <a:latin typeface="微軟正黑體" pitchFamily="34" charset="-120"/>
-              <a:ea typeface="微軟正黑體" pitchFamily="34" charset="-120"/>
-            </a:endParaRPr>
-          </a:p>
-          <a:p>
-            <a:pPr marL="0" indent="0" algn="ctr">
-              <a:buNone/>
-            </a:pPr>
-            <a:r>
-              <a:rPr lang="zh-TW" altLang="en-US" sz="5400" b="1" dirty="0" smtClean="0">
-                <a:solidFill>
-                  <a:srgbClr val="000066"/>
-                </a:solidFill>
+                <a:effectLst>
+                  <a:outerShdw blurRad="38100" dist="38100" dir="2700000" algn="tl">
+                    <a:srgbClr val="000000">
+                      <a:alpha val="43137"/>
+                    </a:srgbClr>
+                  </a:outerShdw>
+                </a:effectLst>
                 <a:latin typeface="微軟正黑體" pitchFamily="34" charset="-120"/>
                 <a:ea typeface="微軟正黑體" pitchFamily="34" charset="-120"/>
               </a:rPr>
               <a:t>我</a:t>
             </a:r>
             <a:r>
-              <a:rPr lang="zh-TW" altLang="en-US" sz="5400" b="1" dirty="0" smtClean="0">
+              <a:rPr lang="zh-TW" altLang="en-US" sz="7200" b="1" i="1" dirty="0">
                 <a:solidFill>
                   <a:srgbClr val="000066"/>
                 </a:solidFill>
+                <a:effectLst>
+                  <a:outerShdw blurRad="38100" dist="38100" dir="2700000" algn="tl">
+                    <a:srgbClr val="000000">
+                      <a:alpha val="43137"/>
+                    </a:srgbClr>
+                  </a:outerShdw>
+                </a:effectLst>
                 <a:latin typeface="微軟正黑體" pitchFamily="34" charset="-120"/>
                 <a:ea typeface="微軟正黑體" pitchFamily="34" charset="-120"/>
               </a:rPr>
-              <a:t>已經</a:t>
-            </a:r>
-            <a:r>
-              <a:rPr lang="zh-TW" altLang="en-US" sz="5400" b="1" dirty="0" smtClean="0">
-                <a:solidFill>
-                  <a:srgbClr val="000066"/>
-                </a:solidFill>
-                <a:latin typeface="微軟正黑體" pitchFamily="34" charset="-120"/>
-                <a:ea typeface="微軟正黑體" pitchFamily="34" charset="-120"/>
-              </a:rPr>
-              <a:t>決定  跟隨</a:t>
-            </a:r>
-            <a:r>
-              <a:rPr lang="zh-TW" altLang="en-US" sz="5400" b="1" dirty="0" smtClean="0">
-                <a:solidFill>
-                  <a:srgbClr val="000066"/>
-                </a:solidFill>
-                <a:latin typeface="微軟正黑體" pitchFamily="34" charset="-120"/>
-                <a:ea typeface="微軟正黑體" pitchFamily="34" charset="-120"/>
-              </a:rPr>
-              <a:t>主</a:t>
-            </a:r>
-            <a:r>
-              <a:rPr lang="zh-TW" altLang="en-US" sz="5400" b="1" dirty="0" smtClean="0">
-                <a:solidFill>
-                  <a:srgbClr val="000066"/>
-                </a:solidFill>
-                <a:latin typeface="微軟正黑體" pitchFamily="34" charset="-120"/>
-                <a:ea typeface="微軟正黑體" pitchFamily="34" charset="-120"/>
-              </a:rPr>
-              <a:t>耶穌</a:t>
-            </a:r>
-            <a:endParaRPr lang="en-US" altLang="zh-TW" sz="5400" b="1" dirty="0" smtClean="0">
-              <a:solidFill>
-                <a:srgbClr val="000066"/>
-              </a:solidFill>
-              <a:latin typeface="微軟正黑體" pitchFamily="34" charset="-120"/>
-              <a:ea typeface="微軟正黑體" pitchFamily="34" charset="-120"/>
-            </a:endParaRPr>
-          </a:p>
-          <a:p>
-            <a:pPr marL="0" indent="0" algn="ctr">
-              <a:buNone/>
-            </a:pPr>
-            <a:r>
-              <a:rPr lang="zh-TW" altLang="en-US" sz="5400" b="1" dirty="0" smtClean="0">
-                <a:solidFill>
-                  <a:srgbClr val="000066"/>
-                </a:solidFill>
-                <a:latin typeface="微軟正黑體" pitchFamily="34" charset="-120"/>
-                <a:ea typeface="微軟正黑體" pitchFamily="34" charset="-120"/>
-              </a:rPr>
-              <a:t>我</a:t>
-            </a:r>
-            <a:r>
-              <a:rPr lang="zh-TW" altLang="en-US" sz="5400" b="1" dirty="0" smtClean="0">
-                <a:solidFill>
-                  <a:srgbClr val="000066"/>
-                </a:solidFill>
-                <a:latin typeface="微軟正黑體" pitchFamily="34" charset="-120"/>
-                <a:ea typeface="微軟正黑體" pitchFamily="34" charset="-120"/>
-              </a:rPr>
-              <a:t>已經</a:t>
-            </a:r>
-            <a:r>
-              <a:rPr lang="zh-TW" altLang="en-US" sz="5400" b="1" dirty="0" smtClean="0">
-                <a:solidFill>
-                  <a:srgbClr val="000066"/>
-                </a:solidFill>
-                <a:latin typeface="微軟正黑體" pitchFamily="34" charset="-120"/>
-                <a:ea typeface="微軟正黑體" pitchFamily="34" charset="-120"/>
-              </a:rPr>
-              <a:t>決定  跟隨</a:t>
-            </a:r>
-            <a:r>
-              <a:rPr lang="zh-TW" altLang="en-US" sz="5400" b="1" dirty="0" smtClean="0">
-                <a:solidFill>
-                  <a:srgbClr val="000066"/>
-                </a:solidFill>
-                <a:latin typeface="微軟正黑體" pitchFamily="34" charset="-120"/>
-                <a:ea typeface="微軟正黑體" pitchFamily="34" charset="-120"/>
-              </a:rPr>
-              <a:t>主</a:t>
-            </a:r>
-            <a:r>
-              <a:rPr lang="zh-TW" altLang="en-US" sz="5400" b="1" dirty="0" smtClean="0">
-                <a:solidFill>
-                  <a:srgbClr val="000066"/>
-                </a:solidFill>
-                <a:latin typeface="微軟正黑體" pitchFamily="34" charset="-120"/>
-                <a:ea typeface="微軟正黑體" pitchFamily="34" charset="-120"/>
-              </a:rPr>
-              <a:t>耶穌</a:t>
-            </a:r>
-            <a:endParaRPr lang="en-US" altLang="zh-TW" sz="5400" b="1" dirty="0" smtClean="0">
-              <a:solidFill>
-                <a:srgbClr val="000066"/>
-              </a:solidFill>
-              <a:latin typeface="微軟正黑體" pitchFamily="34" charset="-120"/>
-              <a:ea typeface="微軟正黑體" pitchFamily="34" charset="-120"/>
-            </a:endParaRPr>
-          </a:p>
-          <a:p>
-            <a:pPr marL="0" indent="0" algn="ctr">
-              <a:buNone/>
-            </a:pPr>
-            <a:r>
-              <a:rPr lang="zh-TW" altLang="en-US" sz="5400" b="1" dirty="0" smtClean="0">
-                <a:solidFill>
-                  <a:srgbClr val="000066"/>
-                </a:solidFill>
-                <a:latin typeface="微軟正黑體" pitchFamily="34" charset="-120"/>
-                <a:ea typeface="微軟正黑體" pitchFamily="34" charset="-120"/>
-              </a:rPr>
-              <a:t>義無反顧  義無反顧</a:t>
-            </a:r>
-            <a:endParaRPr lang="en-US" altLang="zh-TW" sz="5400" b="1" dirty="0" smtClean="0">
-              <a:solidFill>
-                <a:srgbClr val="000066"/>
-              </a:solidFill>
-              <a:latin typeface="微軟正黑體" pitchFamily="34" charset="-120"/>
-              <a:ea typeface="微軟正黑體" pitchFamily="34" charset="-120"/>
-            </a:endParaRPr>
+              <a:t>已經決定</a:t>
+            </a:r>
           </a:p>
         </p:txBody>
       </p:sp>
     </p:spTree>
     <p:extLst>
       <p:ext uri="{BB962C8B-B14F-4D97-AF65-F5344CB8AC3E}">
-        <p14:creationId xmlns="" xmlns:p14="http://schemas.microsoft.com/office/powerpoint/2010/main" val="2190387884"/>
+        <p14:creationId xmlns:p14="http://schemas.microsoft.com/office/powerpoint/2010/main" val="2549995863"/>
       </p:ext>
     </p:extLst>
   </p:cSld>
@@ -3358,72 +3181,40 @@
       </p:grpSpPr>
       <p:sp>
         <p:nvSpPr>
-          <p:cNvPr id="2" name="Title 1"/>
-          <p:cNvSpPr>
-            <a:spLocks noGrp="1"/>
-          </p:cNvSpPr>
-          <p:nvPr>
-            <p:ph type="title"/>
-          </p:nvPr>
-        </p:nvSpPr>
-        <p:spPr/>
-        <p:txBody>
-          <a:bodyPr>
+          <p:cNvPr id="5" name="內容版面配置區 4"/>
+          <p:cNvSpPr>
+            <a:spLocks noGrp="1"/>
+          </p:cNvSpPr>
+          <p:nvPr>
+            <p:ph idx="1"/>
+          </p:nvPr>
+        </p:nvSpPr>
+        <p:spPr>
+          <a:xfrm>
+            <a:off x="0" y="2084851"/>
+            <a:ext cx="12192000" cy="2404863"/>
+          </a:xfrm>
+        </p:spPr>
+        <p:txBody>
+          <a:bodyPr anchor="ctr">
             <a:normAutofit/>
           </a:bodyPr>
           <a:lstStyle/>
           <a:p>
-            <a:r>
-              <a:rPr lang="zh-TW" altLang="en-US" b="1" dirty="0" smtClean="0">
-                <a:solidFill>
-                  <a:srgbClr val="000066"/>
-                </a:solidFill>
-                <a:latin typeface="Microsoft JhengHei" pitchFamily="34" charset="-120"/>
-                <a:ea typeface="Microsoft JhengHei" pitchFamily="34" charset="-120"/>
-              </a:rPr>
-              <a:t>我已經決定</a:t>
-            </a:r>
-            <a:endParaRPr lang="en-US" altLang="en-US" b="1" dirty="0">
-              <a:solidFill>
-                <a:srgbClr val="000066"/>
-              </a:solidFill>
-              <a:latin typeface="Microsoft JhengHei" pitchFamily="34" charset="-120"/>
-              <a:ea typeface="Microsoft JhengHei" pitchFamily="34" charset="-120"/>
-            </a:endParaRPr>
-          </a:p>
-        </p:txBody>
-      </p:sp>
-      <p:sp>
-        <p:nvSpPr>
-          <p:cNvPr id="3" name="Content Placeholder 2"/>
-          <p:cNvSpPr>
-            <a:spLocks noGrp="1"/>
-          </p:cNvSpPr>
-          <p:nvPr>
-            <p:ph idx="1"/>
-          </p:nvPr>
-        </p:nvSpPr>
-        <p:spPr/>
-        <p:txBody>
-          <a:bodyPr>
-            <a:normAutofit/>
-          </a:bodyPr>
-          <a:lstStyle/>
-          <a:p>
             <a:pPr marL="0" indent="0" algn="ctr">
               <a:buNone/>
             </a:pPr>
             <a:r>
-              <a:rPr lang="zh-TW" altLang="en-US" sz="5400" b="1" dirty="0" smtClean="0">
+              <a:rPr lang="zh-TW" altLang="en-US" sz="6400" b="1" dirty="0">
                 <a:solidFill>
                   <a:srgbClr val="000066"/>
                 </a:solidFill>
                 <a:latin typeface="微軟正黑體" pitchFamily="34" charset="-120"/>
                 <a:ea typeface="微軟正黑體" pitchFamily="34" charset="-120"/>
               </a:rPr>
-              <a:t>縱無人願意  我仍要跟隨</a:t>
-            </a:r>
-            <a:endParaRPr lang="en-US" altLang="zh-TW" sz="5400" b="1" dirty="0" smtClean="0">
+              <a:t>我已經決定  跟隨主耶穌</a:t>
+            </a:r>
+            <a:endParaRPr lang="en-US" altLang="zh-TW" sz="6400" b="1" dirty="0">
               <a:solidFill>
                 <a:srgbClr val="000066"/>
               </a:solidFill>
@@ -3436,16 +3227,16 @@
               <a:buNone/>
             </a:pPr>
             <a:r>
-              <a:rPr lang="zh-TW" altLang="en-US" sz="5400" b="1" dirty="0" smtClean="0">
+              <a:rPr lang="zh-TW" altLang="en-US" sz="6400" b="1" dirty="0">
                 <a:solidFill>
                   <a:srgbClr val="000066"/>
                 </a:solidFill>
                 <a:latin typeface="微軟正黑體" pitchFamily="34" charset="-120"/>
                 <a:ea typeface="微軟正黑體" pitchFamily="34" charset="-120"/>
               </a:rPr>
-              <a:t>縱無人願意  我仍要跟隨</a:t>
-            </a:r>
-            <a:endParaRPr lang="en-US" altLang="zh-TW" sz="5400" b="1" dirty="0" smtClean="0">
+              <a:t>我已經決定  跟隨主耶穌</a:t>
+            </a:r>
+            <a:endParaRPr lang="en-US" altLang="zh-TW" sz="6400" b="1" dirty="0">
               <a:solidFill>
                 <a:srgbClr val="000066"/>
               </a:solidFill>
@@ -3453,48 +3244,67 @@
               <a:ea typeface="微軟正黑體" pitchFamily="34" charset="-120"/>
             </a:endParaRPr>
           </a:p>
-          <a:p>
-            <a:pPr marL="0" indent="0" algn="ctr">
-              <a:buNone/>
-            </a:pPr>
-            <a:r>
-              <a:rPr lang="zh-TW" altLang="en-US" sz="5400" b="1" dirty="0" smtClean="0">
+        </p:txBody>
+      </p:sp>
+      <p:sp>
+        <p:nvSpPr>
+          <p:cNvPr id="3" name="TextBox 2"/>
+          <p:cNvSpPr txBox="1"/>
+          <p:nvPr/>
+        </p:nvSpPr>
+        <p:spPr>
+          <a:xfrm>
+            <a:off x="0" y="5157192"/>
+            <a:ext cx="12192000" cy="748988"/>
+          </a:xfrm>
+          <a:prstGeom prst="rect">
+            <a:avLst/>
+          </a:prstGeom>
+          <a:noFill/>
+        </p:spPr>
+        <p:txBody>
+          <a:bodyPr wrap="square" rtlCol="0">
+            <a:spAutoFit/>
+          </a:bodyPr>
+          <a:lstStyle/>
+          <a:p>
+            <a:pPr algn="ctr"/>
+            <a:r>
+              <a:rPr lang="en-US" sz="4267" b="1" dirty="0">
                 <a:solidFill>
                   <a:srgbClr val="000066"/>
                 </a:solidFill>
-                <a:latin typeface="微軟正黑體" pitchFamily="34" charset="-120"/>
-                <a:ea typeface="微軟正黑體" pitchFamily="34" charset="-120"/>
+                <a:ea typeface="Microsoft JhengHei" panose="020B0604030504040204" pitchFamily="34" charset="-120"/>
+                <a:cs typeface="Arial" panose="020B0604020202020204" pitchFamily="34" charset="0"/>
               </a:rPr>
-              <a:t>縱無人願意  我仍要跟隨</a:t>
-            </a:r>
-            <a:endParaRPr lang="en-US" altLang="zh-TW" sz="5400" b="1" dirty="0" smtClean="0">
+              <a:t>( </a:t>
+            </a:r>
+            <a:r>
+              <a:rPr lang="en-US" altLang="zh-CN" sz="4267" b="1" dirty="0">
+                <a:solidFill>
+                  <a:srgbClr val="000066"/>
+                </a:solidFill>
+                <a:ea typeface="Microsoft JhengHei" panose="020B0604030504040204" pitchFamily="34" charset="-120"/>
+                <a:cs typeface="Arial" panose="020B0604020202020204" pitchFamily="34" charset="0"/>
+              </a:rPr>
+              <a:t>1 / 3</a:t>
+            </a:r>
+            <a:r>
+              <a:rPr lang="en-US" sz="4267" b="1" dirty="0">
+                <a:solidFill>
+                  <a:srgbClr val="000066"/>
+                </a:solidFill>
+                <a:ea typeface="Microsoft JhengHei" panose="020B0604030504040204" pitchFamily="34" charset="-120"/>
+                <a:cs typeface="Arial" panose="020B0604020202020204" pitchFamily="34" charset="0"/>
+              </a:rPr>
+              <a:t> )</a:t>
+            </a:r>
+            <a:endParaRPr lang="vi-VN" sz="4267" b="1" dirty="0">
               <a:solidFill>
                 <a:srgbClr val="000066"/>
               </a:solidFill>
-              <a:latin typeface="微軟正黑體" pitchFamily="34" charset="-120"/>
-              <a:ea typeface="微軟正黑體" pitchFamily="34" charset="-120"/>
-            </a:endParaRPr>
-          </a:p>
-          <a:p>
-            <a:pPr marL="0" indent="0" algn="ctr">
-              <a:buNone/>
-            </a:pPr>
-            <a:r>
-              <a:rPr lang="zh-TW" altLang="en-US" sz="5400" b="1" dirty="0" smtClean="0">
-                <a:solidFill>
-                  <a:srgbClr val="000066"/>
-                </a:solidFill>
-                <a:latin typeface="微軟正黑體" pitchFamily="34" charset="-120"/>
-                <a:ea typeface="微軟正黑體" pitchFamily="34" charset="-120"/>
-              </a:rPr>
-              <a:t>永不倒退  永不倒退</a:t>
-            </a:r>
-            <a:endParaRPr lang="en-US" altLang="zh-TW" sz="5400" b="1" dirty="0" smtClean="0">
-              <a:solidFill>
-                <a:srgbClr val="000066"/>
-              </a:solidFill>
-              <a:latin typeface="微軟正黑體" pitchFamily="34" charset="-120"/>
-              <a:ea typeface="微軟正黑體" pitchFamily="34" charset="-120"/>
+              <a:ea typeface="Microsoft JhengHei" panose="020B0604030504040204" pitchFamily="34" charset="-120"/>
+              <a:cs typeface="Arial" panose="020B0604020202020204" pitchFamily="34" charset="0"/>
             </a:endParaRPr>
           </a:p>
         </p:txBody>
@@ -3502,7 +3312,7 @@
     </p:spTree>
     <p:extLst>
       <p:ext uri="{BB962C8B-B14F-4D97-AF65-F5344CB8AC3E}">
-        <p14:creationId xmlns="" xmlns:p14="http://schemas.microsoft.com/office/powerpoint/2010/main" val="3994272199"/>
+        <p14:creationId xmlns:p14="http://schemas.microsoft.com/office/powerpoint/2010/main" val="3763631651"/>
       </p:ext>
     </p:extLst>
   </p:cSld>
@@ -3531,72 +3341,40 @@
       </p:grpSpPr>
       <p:sp>
         <p:nvSpPr>
-          <p:cNvPr id="2" name="Title 1"/>
-          <p:cNvSpPr>
-            <a:spLocks noGrp="1"/>
-          </p:cNvSpPr>
-          <p:nvPr>
-            <p:ph type="title"/>
-          </p:nvPr>
-        </p:nvSpPr>
-        <p:spPr/>
-        <p:txBody>
-          <a:bodyPr>
+          <p:cNvPr id="5" name="內容版面配置區 4"/>
+          <p:cNvSpPr>
+            <a:spLocks noGrp="1"/>
+          </p:cNvSpPr>
+          <p:nvPr>
+            <p:ph idx="1"/>
+          </p:nvPr>
+        </p:nvSpPr>
+        <p:spPr>
+          <a:xfrm>
+            <a:off x="0" y="2084851"/>
+            <a:ext cx="12192000" cy="2404863"/>
+          </a:xfrm>
+        </p:spPr>
+        <p:txBody>
+          <a:bodyPr anchor="ctr">
             <a:normAutofit/>
           </a:bodyPr>
           <a:lstStyle/>
           <a:p>
-            <a:r>
-              <a:rPr lang="zh-TW" altLang="en-US" b="1" dirty="0" smtClean="0">
-                <a:solidFill>
-                  <a:srgbClr val="000066"/>
-                </a:solidFill>
-                <a:latin typeface="Microsoft JhengHei" pitchFamily="34" charset="-120"/>
-                <a:ea typeface="Microsoft JhengHei" pitchFamily="34" charset="-120"/>
-              </a:rPr>
-              <a:t>我已經決定</a:t>
-            </a:r>
-            <a:endParaRPr lang="en-US" altLang="en-US" b="1" dirty="0">
-              <a:solidFill>
-                <a:srgbClr val="000066"/>
-              </a:solidFill>
-              <a:latin typeface="Microsoft JhengHei" pitchFamily="34" charset="-120"/>
-              <a:ea typeface="Microsoft JhengHei" pitchFamily="34" charset="-120"/>
-            </a:endParaRPr>
-          </a:p>
-        </p:txBody>
-      </p:sp>
-      <p:sp>
-        <p:nvSpPr>
-          <p:cNvPr id="3" name="Content Placeholder 2"/>
-          <p:cNvSpPr>
-            <a:spLocks noGrp="1"/>
-          </p:cNvSpPr>
-          <p:nvPr>
-            <p:ph idx="1"/>
-          </p:nvPr>
-        </p:nvSpPr>
-        <p:spPr/>
-        <p:txBody>
-          <a:bodyPr>
-            <a:normAutofit/>
-          </a:bodyPr>
-          <a:lstStyle/>
-          <a:p>
             <a:pPr marL="0" indent="0" algn="ctr">
               <a:buNone/>
             </a:pPr>
             <a:r>
-              <a:rPr lang="zh-TW" altLang="en-US" sz="5400" b="1" dirty="0" smtClean="0">
+              <a:rPr lang="zh-TW" altLang="en-US" sz="6400" b="1" dirty="0">
                 <a:solidFill>
                   <a:srgbClr val="000066"/>
                 </a:solidFill>
                 <a:latin typeface="微軟正黑體" pitchFamily="34" charset="-120"/>
                 <a:ea typeface="微軟正黑體" pitchFamily="34" charset="-120"/>
               </a:rPr>
-              <a:t>世界在背後  十架在前頭</a:t>
-            </a:r>
-            <a:endParaRPr lang="en-US" altLang="zh-TW" sz="5400" b="1" dirty="0" smtClean="0">
+              <a:t>我已經決定  跟隨主耶穌</a:t>
+            </a:r>
+            <a:endParaRPr lang="en-US" altLang="zh-TW" sz="6400" b="1" dirty="0">
               <a:solidFill>
                 <a:srgbClr val="000066"/>
               </a:solidFill>
@@ -3609,16 +3387,16 @@
               <a:buNone/>
             </a:pPr>
             <a:r>
-              <a:rPr lang="zh-TW" altLang="en-US" sz="5400" b="1" dirty="0" smtClean="0">
+              <a:rPr lang="zh-TW" altLang="en-US" sz="6400" b="1" dirty="0">
                 <a:solidFill>
                   <a:srgbClr val="000066"/>
                 </a:solidFill>
                 <a:latin typeface="微軟正黑體" pitchFamily="34" charset="-120"/>
                 <a:ea typeface="微軟正黑體" pitchFamily="34" charset="-120"/>
               </a:rPr>
-              <a:t>世界在背後  十架在前頭</a:t>
-            </a:r>
-            <a:endParaRPr lang="en-US" altLang="zh-TW" sz="5400" b="1" dirty="0" smtClean="0">
+              <a:t>義無反顧  義無反顧</a:t>
+            </a:r>
+            <a:endParaRPr lang="en-US" altLang="zh-TW" sz="6400" b="1" dirty="0">
               <a:solidFill>
                 <a:srgbClr val="000066"/>
               </a:solidFill>
@@ -3626,21 +3404,137 @@
               <a:ea typeface="微軟正黑體" pitchFamily="34" charset="-120"/>
             </a:endParaRPr>
           </a:p>
+        </p:txBody>
+      </p:sp>
+      <p:sp>
+        <p:nvSpPr>
+          <p:cNvPr id="3" name="TextBox 2"/>
+          <p:cNvSpPr txBox="1"/>
+          <p:nvPr/>
+        </p:nvSpPr>
+        <p:spPr>
+          <a:xfrm>
+            <a:off x="0" y="5157192"/>
+            <a:ext cx="12192000" cy="748988"/>
+          </a:xfrm>
+          <a:prstGeom prst="rect">
+            <a:avLst/>
+          </a:prstGeom>
+          <a:noFill/>
+        </p:spPr>
+        <p:txBody>
+          <a:bodyPr wrap="square" rtlCol="0">
+            <a:spAutoFit/>
+          </a:bodyPr>
+          <a:lstStyle/>
+          <a:p>
+            <a:pPr algn="ctr"/>
+            <a:r>
+              <a:rPr lang="en-US" sz="4267" b="1" dirty="0">
+                <a:solidFill>
+                  <a:srgbClr val="000066"/>
+                </a:solidFill>
+                <a:ea typeface="Microsoft JhengHei" panose="020B0604030504040204" pitchFamily="34" charset="-120"/>
+                <a:cs typeface="Arial" panose="020B0604020202020204" pitchFamily="34" charset="0"/>
+              </a:rPr>
+              <a:t>( </a:t>
+            </a:r>
+            <a:r>
+              <a:rPr lang="en-US" altLang="zh-CN" sz="4267" b="1" dirty="0">
+                <a:solidFill>
+                  <a:srgbClr val="000066"/>
+                </a:solidFill>
+                <a:ea typeface="Microsoft JhengHei" panose="020B0604030504040204" pitchFamily="34" charset="-120"/>
+                <a:cs typeface="Arial" panose="020B0604020202020204" pitchFamily="34" charset="0"/>
+              </a:rPr>
+              <a:t>1 / 3</a:t>
+            </a:r>
+            <a:r>
+              <a:rPr lang="en-US" sz="4267" b="1" dirty="0">
+                <a:solidFill>
+                  <a:srgbClr val="000066"/>
+                </a:solidFill>
+                <a:ea typeface="Microsoft JhengHei" panose="020B0604030504040204" pitchFamily="34" charset="-120"/>
+                <a:cs typeface="Arial" panose="020B0604020202020204" pitchFamily="34" charset="0"/>
+              </a:rPr>
+              <a:t> )</a:t>
+            </a:r>
+            <a:endParaRPr lang="vi-VN" sz="4267" b="1" dirty="0">
+              <a:solidFill>
+                <a:srgbClr val="000066"/>
+              </a:solidFill>
+              <a:ea typeface="Microsoft JhengHei" panose="020B0604030504040204" pitchFamily="34" charset="-120"/>
+              <a:cs typeface="Arial" panose="020B0604020202020204" pitchFamily="34" charset="0"/>
+            </a:endParaRPr>
+          </a:p>
+        </p:txBody>
+      </p:sp>
+    </p:spTree>
+    <p:extLst>
+      <p:ext uri="{BB962C8B-B14F-4D97-AF65-F5344CB8AC3E}">
+        <p14:creationId xmlns:p14="http://schemas.microsoft.com/office/powerpoint/2010/main" val="328913289"/>
+      </p:ext>
+    </p:extLst>
+  </p:cSld>
+  <p:clrMapOvr>
+    <a:masterClrMapping/>
+  </p:clrMapOvr>
+</p:sld>
+</file>
+
+<file path=ppt/slides/slide4.xml><?xml version="1.0" encoding="utf-8"?>
+<p:sld xmlns:a="http://schemas.openxmlformats.org/drawingml/2006/main" xmlns:r="http://schemas.openxmlformats.org/officeDocument/2006/relationships" xmlns:p="http://schemas.openxmlformats.org/presentationml/2006/main">
+  <p:cSld>
+    <p:spTree>
+      <p:nvGrpSpPr>
+        <p:cNvPr id="1" name=""/>
+        <p:cNvGrpSpPr/>
+        <p:nvPr/>
+      </p:nvGrpSpPr>
+      <p:grpSpPr>
+        <a:xfrm>
+          <a:off x="0" y="0"/>
+          <a:ext cx="0" cy="0"/>
+          <a:chOff x="0" y="0"/>
+          <a:chExt cx="0" cy="0"/>
+        </a:xfrm>
+      </p:grpSpPr>
+      <p:sp>
+        <p:nvSpPr>
+          <p:cNvPr id="5" name="內容版面配置區 4"/>
+          <p:cNvSpPr>
+            <a:spLocks noGrp="1"/>
+          </p:cNvSpPr>
+          <p:nvPr>
+            <p:ph idx="1"/>
+          </p:nvPr>
+        </p:nvSpPr>
+        <p:spPr>
+          <a:xfrm>
+            <a:off x="0" y="2084851"/>
+            <a:ext cx="12192000" cy="2404863"/>
+          </a:xfrm>
+        </p:spPr>
+        <p:txBody>
+          <a:bodyPr anchor="ctr">
+            <a:normAutofit/>
+          </a:bodyPr>
+          <a:lstStyle/>
           <a:p>
             <a:pPr marL="0" indent="0" algn="ctr">
               <a:buNone/>
             </a:pPr>
             <a:r>
-              <a:rPr lang="zh-TW" altLang="en-US" sz="5400" b="1" dirty="0" smtClean="0">
+              <a:rPr lang="zh-TW" altLang="en-US" sz="6400" b="1" dirty="0">
                 <a:solidFill>
                   <a:srgbClr val="000066"/>
                 </a:solidFill>
                 <a:latin typeface="微軟正黑體" pitchFamily="34" charset="-120"/>
                 <a:ea typeface="微軟正黑體" pitchFamily="34" charset="-120"/>
               </a:rPr>
-              <a:t>世界在背後  十架在前頭</a:t>
-            </a:r>
-            <a:endParaRPr lang="en-US" altLang="zh-TW" sz="5400" b="1" dirty="0" smtClean="0">
+              <a:t>縱無人願意  我仍要跟隨</a:t>
+            </a:r>
+            <a:endParaRPr lang="en-US" altLang="zh-TW" sz="6400" b="1" dirty="0">
               <a:solidFill>
                 <a:srgbClr val="000066"/>
               </a:solidFill>
@@ -3653,16 +3547,16 @@
               <a:buNone/>
             </a:pPr>
             <a:r>
-              <a:rPr lang="zh-TW" altLang="en-US" sz="5400" b="1" dirty="0" smtClean="0">
+              <a:rPr lang="zh-TW" altLang="en-US" sz="6400" b="1" dirty="0">
                 <a:solidFill>
                   <a:srgbClr val="000066"/>
                 </a:solidFill>
                 <a:latin typeface="微軟正黑體" pitchFamily="34" charset="-120"/>
                 <a:ea typeface="微軟正黑體" pitchFamily="34" charset="-120"/>
               </a:rPr>
-              <a:t>永不回頭  永不回頭</a:t>
-            </a:r>
-            <a:endParaRPr lang="en-US" altLang="zh-TW" sz="5400" b="1" dirty="0" smtClean="0">
+              <a:t>縱無人願意  我仍要跟隨</a:t>
+            </a:r>
+            <a:endParaRPr lang="en-US" altLang="zh-TW" sz="6400" b="1" dirty="0">
               <a:solidFill>
                 <a:srgbClr val="000066"/>
               </a:solidFill>
@@ -3672,10 +3566,553 @@
           </a:p>
         </p:txBody>
       </p:sp>
+      <p:sp>
+        <p:nvSpPr>
+          <p:cNvPr id="3" name="TextBox 2"/>
+          <p:cNvSpPr txBox="1"/>
+          <p:nvPr/>
+        </p:nvSpPr>
+        <p:spPr>
+          <a:xfrm>
+            <a:off x="0" y="5157192"/>
+            <a:ext cx="12192000" cy="748988"/>
+          </a:xfrm>
+          <a:prstGeom prst="rect">
+            <a:avLst/>
+          </a:prstGeom>
+          <a:noFill/>
+        </p:spPr>
+        <p:txBody>
+          <a:bodyPr wrap="square" rtlCol="0">
+            <a:spAutoFit/>
+          </a:bodyPr>
+          <a:lstStyle/>
+          <a:p>
+            <a:pPr algn="ctr"/>
+            <a:r>
+              <a:rPr lang="en-US" sz="4267" b="1" dirty="0">
+                <a:solidFill>
+                  <a:srgbClr val="000066"/>
+                </a:solidFill>
+                <a:ea typeface="Microsoft JhengHei" panose="020B0604030504040204" pitchFamily="34" charset="-120"/>
+                <a:cs typeface="Arial" panose="020B0604020202020204" pitchFamily="34" charset="0"/>
+              </a:rPr>
+              <a:t>( </a:t>
+            </a:r>
+            <a:r>
+              <a:rPr lang="en-US" altLang="zh-CN" sz="4267" b="1" dirty="0">
+                <a:solidFill>
+                  <a:srgbClr val="000066"/>
+                </a:solidFill>
+                <a:ea typeface="Microsoft JhengHei" panose="020B0604030504040204" pitchFamily="34" charset="-120"/>
+                <a:cs typeface="Arial" panose="020B0604020202020204" pitchFamily="34" charset="0"/>
+              </a:rPr>
+              <a:t>2 / 3</a:t>
+            </a:r>
+            <a:r>
+              <a:rPr lang="en-US" sz="4267" b="1" dirty="0">
+                <a:solidFill>
+                  <a:srgbClr val="000066"/>
+                </a:solidFill>
+                <a:ea typeface="Microsoft JhengHei" panose="020B0604030504040204" pitchFamily="34" charset="-120"/>
+                <a:cs typeface="Arial" panose="020B0604020202020204" pitchFamily="34" charset="0"/>
+              </a:rPr>
+              <a:t> )</a:t>
+            </a:r>
+            <a:endParaRPr lang="vi-VN" sz="4267" b="1" dirty="0">
+              <a:solidFill>
+                <a:srgbClr val="000066"/>
+              </a:solidFill>
+              <a:ea typeface="Microsoft JhengHei" panose="020B0604030504040204" pitchFamily="34" charset="-120"/>
+              <a:cs typeface="Arial" panose="020B0604020202020204" pitchFamily="34" charset="0"/>
+            </a:endParaRPr>
+          </a:p>
+        </p:txBody>
+      </p:sp>
     </p:spTree>
     <p:extLst>
       <p:ext uri="{BB962C8B-B14F-4D97-AF65-F5344CB8AC3E}">
-        <p14:creationId xmlns="" xmlns:p14="http://schemas.microsoft.com/office/powerpoint/2010/main" val="2837600757"/>
+        <p14:creationId xmlns:p14="http://schemas.microsoft.com/office/powerpoint/2010/main" val="1316686485"/>
+      </p:ext>
+    </p:extLst>
+  </p:cSld>
+  <p:clrMapOvr>
+    <a:masterClrMapping/>
+  </p:clrMapOvr>
+</p:sld>
+</file>
+
+<file path=ppt/slides/slide5.xml><?xml version="1.0" encoding="utf-8"?>
+<p:sld xmlns:a="http://schemas.openxmlformats.org/drawingml/2006/main" xmlns:r="http://schemas.openxmlformats.org/officeDocument/2006/relationships" xmlns:p="http://schemas.openxmlformats.org/presentationml/2006/main">
+  <p:cSld>
+    <p:spTree>
+      <p:nvGrpSpPr>
+        <p:cNvPr id="1" name=""/>
+        <p:cNvGrpSpPr/>
+        <p:nvPr/>
+      </p:nvGrpSpPr>
+      <p:grpSpPr>
+        <a:xfrm>
+          <a:off x="0" y="0"/>
+          <a:ext cx="0" cy="0"/>
+          <a:chOff x="0" y="0"/>
+          <a:chExt cx="0" cy="0"/>
+        </a:xfrm>
+      </p:grpSpPr>
+      <p:sp>
+        <p:nvSpPr>
+          <p:cNvPr id="5" name="內容版面配置區 4"/>
+          <p:cNvSpPr>
+            <a:spLocks noGrp="1"/>
+          </p:cNvSpPr>
+          <p:nvPr>
+            <p:ph idx="1"/>
+          </p:nvPr>
+        </p:nvSpPr>
+        <p:spPr>
+          <a:xfrm>
+            <a:off x="0" y="2084851"/>
+            <a:ext cx="12192000" cy="2404863"/>
+          </a:xfrm>
+        </p:spPr>
+        <p:txBody>
+          <a:bodyPr anchor="ctr">
+            <a:normAutofit/>
+          </a:bodyPr>
+          <a:lstStyle/>
+          <a:p>
+            <a:pPr marL="0" indent="0" algn="ctr">
+              <a:buNone/>
+            </a:pPr>
+            <a:r>
+              <a:rPr lang="zh-TW" altLang="en-US" sz="6400" b="1" dirty="0">
+                <a:solidFill>
+                  <a:srgbClr val="000066"/>
+                </a:solidFill>
+                <a:latin typeface="微軟正黑體" pitchFamily="34" charset="-120"/>
+                <a:ea typeface="微軟正黑體" pitchFamily="34" charset="-120"/>
+              </a:rPr>
+              <a:t>縱無人願意  我仍要跟隨</a:t>
+            </a:r>
+            <a:endParaRPr lang="en-US" altLang="zh-TW" sz="6400" b="1" dirty="0">
+              <a:solidFill>
+                <a:srgbClr val="000066"/>
+              </a:solidFill>
+              <a:latin typeface="微軟正黑體" pitchFamily="34" charset="-120"/>
+              <a:ea typeface="微軟正黑體" pitchFamily="34" charset="-120"/>
+            </a:endParaRPr>
+          </a:p>
+          <a:p>
+            <a:pPr marL="0" indent="0" algn="ctr">
+              <a:buNone/>
+            </a:pPr>
+            <a:r>
+              <a:rPr lang="zh-TW" altLang="en-US" sz="6400" b="1" dirty="0">
+                <a:solidFill>
+                  <a:srgbClr val="000066"/>
+                </a:solidFill>
+                <a:latin typeface="微軟正黑體" pitchFamily="34" charset="-120"/>
+                <a:ea typeface="微軟正黑體" pitchFamily="34" charset="-120"/>
+              </a:rPr>
+              <a:t>永不倒退  永不倒退</a:t>
+            </a:r>
+            <a:endParaRPr lang="en-US" altLang="zh-TW" sz="6400" b="1" dirty="0">
+              <a:solidFill>
+                <a:srgbClr val="000066"/>
+              </a:solidFill>
+              <a:latin typeface="微軟正黑體" pitchFamily="34" charset="-120"/>
+              <a:ea typeface="微軟正黑體" pitchFamily="34" charset="-120"/>
+            </a:endParaRPr>
+          </a:p>
+        </p:txBody>
+      </p:sp>
+      <p:sp>
+        <p:nvSpPr>
+          <p:cNvPr id="3" name="TextBox 2"/>
+          <p:cNvSpPr txBox="1"/>
+          <p:nvPr/>
+        </p:nvSpPr>
+        <p:spPr>
+          <a:xfrm>
+            <a:off x="0" y="5157192"/>
+            <a:ext cx="12192000" cy="748988"/>
+          </a:xfrm>
+          <a:prstGeom prst="rect">
+            <a:avLst/>
+          </a:prstGeom>
+          <a:noFill/>
+        </p:spPr>
+        <p:txBody>
+          <a:bodyPr wrap="square" rtlCol="0">
+            <a:spAutoFit/>
+          </a:bodyPr>
+          <a:lstStyle/>
+          <a:p>
+            <a:pPr algn="ctr"/>
+            <a:r>
+              <a:rPr lang="en-US" sz="4267" b="1" dirty="0">
+                <a:solidFill>
+                  <a:srgbClr val="000066"/>
+                </a:solidFill>
+                <a:ea typeface="Microsoft JhengHei" panose="020B0604030504040204" pitchFamily="34" charset="-120"/>
+                <a:cs typeface="Arial" panose="020B0604020202020204" pitchFamily="34" charset="0"/>
+              </a:rPr>
+              <a:t>( </a:t>
+            </a:r>
+            <a:r>
+              <a:rPr lang="en-US" altLang="zh-CN" sz="4267" b="1" dirty="0">
+                <a:solidFill>
+                  <a:srgbClr val="000066"/>
+                </a:solidFill>
+                <a:ea typeface="Microsoft JhengHei" panose="020B0604030504040204" pitchFamily="34" charset="-120"/>
+                <a:cs typeface="Arial" panose="020B0604020202020204" pitchFamily="34" charset="0"/>
+              </a:rPr>
+              <a:t>2 / 3</a:t>
+            </a:r>
+            <a:r>
+              <a:rPr lang="en-US" sz="4267" b="1" dirty="0">
+                <a:solidFill>
+                  <a:srgbClr val="000066"/>
+                </a:solidFill>
+                <a:ea typeface="Microsoft JhengHei" panose="020B0604030504040204" pitchFamily="34" charset="-120"/>
+                <a:cs typeface="Arial" panose="020B0604020202020204" pitchFamily="34" charset="0"/>
+              </a:rPr>
+              <a:t> )</a:t>
+            </a:r>
+            <a:endParaRPr lang="vi-VN" sz="4267" b="1" dirty="0">
+              <a:solidFill>
+                <a:srgbClr val="000066"/>
+              </a:solidFill>
+              <a:ea typeface="Microsoft JhengHei" panose="020B0604030504040204" pitchFamily="34" charset="-120"/>
+              <a:cs typeface="Arial" panose="020B0604020202020204" pitchFamily="34" charset="0"/>
+            </a:endParaRPr>
+          </a:p>
+        </p:txBody>
+      </p:sp>
+    </p:spTree>
+    <p:extLst>
+      <p:ext uri="{BB962C8B-B14F-4D97-AF65-F5344CB8AC3E}">
+        <p14:creationId xmlns:p14="http://schemas.microsoft.com/office/powerpoint/2010/main" val="956431243"/>
+      </p:ext>
+    </p:extLst>
+  </p:cSld>
+  <p:clrMapOvr>
+    <a:masterClrMapping/>
+  </p:clrMapOvr>
+</p:sld>
+</file>
+
+<file path=ppt/slides/slide6.xml><?xml version="1.0" encoding="utf-8"?>
+<p:sld xmlns:a="http://schemas.openxmlformats.org/drawingml/2006/main" xmlns:r="http://schemas.openxmlformats.org/officeDocument/2006/relationships" xmlns:p="http://schemas.openxmlformats.org/presentationml/2006/main">
+  <p:cSld>
+    <p:spTree>
+      <p:nvGrpSpPr>
+        <p:cNvPr id="1" name=""/>
+        <p:cNvGrpSpPr/>
+        <p:nvPr/>
+      </p:nvGrpSpPr>
+      <p:grpSpPr>
+        <a:xfrm>
+          <a:off x="0" y="0"/>
+          <a:ext cx="0" cy="0"/>
+          <a:chOff x="0" y="0"/>
+          <a:chExt cx="0" cy="0"/>
+        </a:xfrm>
+      </p:grpSpPr>
+      <p:sp>
+        <p:nvSpPr>
+          <p:cNvPr id="5" name="內容版面配置區 4"/>
+          <p:cNvSpPr>
+            <a:spLocks noGrp="1"/>
+          </p:cNvSpPr>
+          <p:nvPr>
+            <p:ph idx="1"/>
+          </p:nvPr>
+        </p:nvSpPr>
+        <p:spPr>
+          <a:xfrm>
+            <a:off x="0" y="2084851"/>
+            <a:ext cx="12192000" cy="2404863"/>
+          </a:xfrm>
+        </p:spPr>
+        <p:txBody>
+          <a:bodyPr anchor="ctr">
+            <a:normAutofit/>
+          </a:bodyPr>
+          <a:lstStyle/>
+          <a:p>
+            <a:pPr marL="0" indent="0" algn="ctr">
+              <a:buNone/>
+            </a:pPr>
+            <a:r>
+              <a:rPr lang="zh-TW" altLang="en-US" sz="6400" b="1" dirty="0">
+                <a:solidFill>
+                  <a:srgbClr val="000066"/>
+                </a:solidFill>
+                <a:latin typeface="微軟正黑體" pitchFamily="34" charset="-120"/>
+                <a:ea typeface="微軟正黑體" pitchFamily="34" charset="-120"/>
+              </a:rPr>
+              <a:t>世界在背後  十架在前頭</a:t>
+            </a:r>
+            <a:endParaRPr lang="en-US" altLang="zh-TW" sz="6400" b="1" dirty="0">
+              <a:solidFill>
+                <a:srgbClr val="000066"/>
+              </a:solidFill>
+              <a:latin typeface="微軟正黑體" pitchFamily="34" charset="-120"/>
+              <a:ea typeface="微軟正黑體" pitchFamily="34" charset="-120"/>
+            </a:endParaRPr>
+          </a:p>
+          <a:p>
+            <a:pPr marL="0" indent="0" algn="ctr">
+              <a:buNone/>
+            </a:pPr>
+            <a:r>
+              <a:rPr lang="zh-TW" altLang="en-US" sz="6400" b="1" dirty="0">
+                <a:solidFill>
+                  <a:srgbClr val="000066"/>
+                </a:solidFill>
+                <a:latin typeface="微軟正黑體" pitchFamily="34" charset="-120"/>
+                <a:ea typeface="微軟正黑體" pitchFamily="34" charset="-120"/>
+              </a:rPr>
+              <a:t>世界在背後  十架在前頭</a:t>
+            </a:r>
+            <a:endParaRPr lang="en-US" altLang="zh-TW" sz="6400" b="1" dirty="0">
+              <a:solidFill>
+                <a:srgbClr val="000066"/>
+              </a:solidFill>
+              <a:latin typeface="微軟正黑體" pitchFamily="34" charset="-120"/>
+              <a:ea typeface="微軟正黑體" pitchFamily="34" charset="-120"/>
+            </a:endParaRPr>
+          </a:p>
+        </p:txBody>
+      </p:sp>
+      <p:sp>
+        <p:nvSpPr>
+          <p:cNvPr id="3" name="TextBox 2"/>
+          <p:cNvSpPr txBox="1"/>
+          <p:nvPr/>
+        </p:nvSpPr>
+        <p:spPr>
+          <a:xfrm>
+            <a:off x="0" y="5157192"/>
+            <a:ext cx="12192000" cy="748988"/>
+          </a:xfrm>
+          <a:prstGeom prst="rect">
+            <a:avLst/>
+          </a:prstGeom>
+          <a:noFill/>
+        </p:spPr>
+        <p:txBody>
+          <a:bodyPr wrap="square" rtlCol="0">
+            <a:spAutoFit/>
+          </a:bodyPr>
+          <a:lstStyle/>
+          <a:p>
+            <a:pPr algn="ctr"/>
+            <a:r>
+              <a:rPr lang="en-US" sz="4267" b="1" dirty="0">
+                <a:solidFill>
+                  <a:srgbClr val="000066"/>
+                </a:solidFill>
+                <a:ea typeface="Microsoft JhengHei" panose="020B0604030504040204" pitchFamily="34" charset="-120"/>
+                <a:cs typeface="Arial" panose="020B0604020202020204" pitchFamily="34" charset="0"/>
+              </a:rPr>
+              <a:t>( </a:t>
+            </a:r>
+            <a:r>
+              <a:rPr lang="en-US" altLang="zh-CN" sz="4267" b="1" dirty="0">
+                <a:solidFill>
+                  <a:srgbClr val="000066"/>
+                </a:solidFill>
+                <a:ea typeface="Microsoft JhengHei" panose="020B0604030504040204" pitchFamily="34" charset="-120"/>
+                <a:cs typeface="Arial" panose="020B0604020202020204" pitchFamily="34" charset="0"/>
+              </a:rPr>
+              <a:t>3 / 3</a:t>
+            </a:r>
+            <a:r>
+              <a:rPr lang="en-US" sz="4267" b="1" dirty="0">
+                <a:solidFill>
+                  <a:srgbClr val="000066"/>
+                </a:solidFill>
+                <a:ea typeface="Microsoft JhengHei" panose="020B0604030504040204" pitchFamily="34" charset="-120"/>
+                <a:cs typeface="Arial" panose="020B0604020202020204" pitchFamily="34" charset="0"/>
+              </a:rPr>
+              <a:t> )</a:t>
+            </a:r>
+            <a:endParaRPr lang="vi-VN" sz="4267" b="1" dirty="0">
+              <a:solidFill>
+                <a:srgbClr val="000066"/>
+              </a:solidFill>
+              <a:ea typeface="Microsoft JhengHei" panose="020B0604030504040204" pitchFamily="34" charset="-120"/>
+              <a:cs typeface="Arial" panose="020B0604020202020204" pitchFamily="34" charset="0"/>
+            </a:endParaRPr>
+          </a:p>
+        </p:txBody>
+      </p:sp>
+    </p:spTree>
+    <p:extLst>
+      <p:ext uri="{BB962C8B-B14F-4D97-AF65-F5344CB8AC3E}">
+        <p14:creationId xmlns:p14="http://schemas.microsoft.com/office/powerpoint/2010/main" val="3811671991"/>
+      </p:ext>
+    </p:extLst>
+  </p:cSld>
+  <p:clrMapOvr>
+    <a:masterClrMapping/>
+  </p:clrMapOvr>
+</p:sld>
+</file>
+
+<file path=ppt/slides/slide7.xml><?xml version="1.0" encoding="utf-8"?>
+<p:sld xmlns:a="http://schemas.openxmlformats.org/drawingml/2006/main" xmlns:r="http://schemas.openxmlformats.org/officeDocument/2006/relationships" xmlns:p="http://schemas.openxmlformats.org/presentationml/2006/main">
+  <p:cSld>
+    <p:spTree>
+      <p:nvGrpSpPr>
+        <p:cNvPr id="1" name=""/>
+        <p:cNvGrpSpPr/>
+        <p:nvPr/>
+      </p:nvGrpSpPr>
+      <p:grpSpPr>
+        <a:xfrm>
+          <a:off x="0" y="0"/>
+          <a:ext cx="0" cy="0"/>
+          <a:chOff x="0" y="0"/>
+          <a:chExt cx="0" cy="0"/>
+        </a:xfrm>
+      </p:grpSpPr>
+      <p:sp>
+        <p:nvSpPr>
+          <p:cNvPr id="5" name="內容版面配置區 4"/>
+          <p:cNvSpPr>
+            <a:spLocks noGrp="1"/>
+          </p:cNvSpPr>
+          <p:nvPr>
+            <p:ph idx="1"/>
+          </p:nvPr>
+        </p:nvSpPr>
+        <p:spPr>
+          <a:xfrm>
+            <a:off x="0" y="2084851"/>
+            <a:ext cx="12192000" cy="2404863"/>
+          </a:xfrm>
+        </p:spPr>
+        <p:txBody>
+          <a:bodyPr anchor="ctr">
+            <a:normAutofit/>
+          </a:bodyPr>
+          <a:lstStyle/>
+          <a:p>
+            <a:pPr marL="0" indent="0" algn="ctr">
+              <a:buNone/>
+            </a:pPr>
+            <a:r>
+              <a:rPr lang="zh-TW" altLang="en-US" sz="6400" b="1" dirty="0">
+                <a:solidFill>
+                  <a:srgbClr val="000066"/>
+                </a:solidFill>
+                <a:latin typeface="微軟正黑體" pitchFamily="34" charset="-120"/>
+                <a:ea typeface="微軟正黑體" pitchFamily="34" charset="-120"/>
+              </a:rPr>
+              <a:t>世界在背後  十架在前頭</a:t>
+            </a:r>
+            <a:endParaRPr lang="en-US" altLang="zh-TW" sz="6400" b="1" dirty="0">
+              <a:solidFill>
+                <a:srgbClr val="000066"/>
+              </a:solidFill>
+              <a:latin typeface="微軟正黑體" pitchFamily="34" charset="-120"/>
+              <a:ea typeface="微軟正黑體" pitchFamily="34" charset="-120"/>
+            </a:endParaRPr>
+          </a:p>
+          <a:p>
+            <a:pPr marL="0" indent="0" algn="ctr">
+              <a:buNone/>
+            </a:pPr>
+            <a:r>
+              <a:rPr lang="zh-TW" altLang="en-US" sz="6400" b="1" dirty="0">
+                <a:solidFill>
+                  <a:srgbClr val="000066"/>
+                </a:solidFill>
+                <a:latin typeface="微軟正黑體" pitchFamily="34" charset="-120"/>
+                <a:ea typeface="微軟正黑體" pitchFamily="34" charset="-120"/>
+              </a:rPr>
+              <a:t>永不回頭  永不回頭</a:t>
+            </a:r>
+            <a:endParaRPr lang="en-US" altLang="zh-TW" sz="6400" b="1" dirty="0">
+              <a:solidFill>
+                <a:srgbClr val="000066"/>
+              </a:solidFill>
+              <a:latin typeface="微軟正黑體" pitchFamily="34" charset="-120"/>
+              <a:ea typeface="微軟正黑體" pitchFamily="34" charset="-120"/>
+            </a:endParaRPr>
+          </a:p>
+        </p:txBody>
+      </p:sp>
+      <p:sp>
+        <p:nvSpPr>
+          <p:cNvPr id="3" name="TextBox 2"/>
+          <p:cNvSpPr txBox="1"/>
+          <p:nvPr/>
+        </p:nvSpPr>
+        <p:spPr>
+          <a:xfrm>
+            <a:off x="0" y="5157192"/>
+            <a:ext cx="12192000" cy="748988"/>
+          </a:xfrm>
+          <a:prstGeom prst="rect">
+            <a:avLst/>
+          </a:prstGeom>
+          <a:noFill/>
+        </p:spPr>
+        <p:txBody>
+          <a:bodyPr wrap="square" rtlCol="0">
+            <a:spAutoFit/>
+          </a:bodyPr>
+          <a:lstStyle/>
+          <a:p>
+            <a:pPr algn="ctr"/>
+            <a:r>
+              <a:rPr lang="en-US" sz="4267" b="1" dirty="0">
+                <a:solidFill>
+                  <a:srgbClr val="000066"/>
+                </a:solidFill>
+                <a:ea typeface="Microsoft JhengHei" panose="020B0604030504040204" pitchFamily="34" charset="-120"/>
+                <a:cs typeface="Arial" panose="020B0604020202020204" pitchFamily="34" charset="0"/>
+              </a:rPr>
+              <a:t>( </a:t>
+            </a:r>
+            <a:r>
+              <a:rPr lang="en-US" altLang="zh-CN" sz="4267" b="1" dirty="0">
+                <a:solidFill>
+                  <a:srgbClr val="000066"/>
+                </a:solidFill>
+                <a:ea typeface="Microsoft JhengHei" panose="020B0604030504040204" pitchFamily="34" charset="-120"/>
+                <a:cs typeface="Arial" panose="020B0604020202020204" pitchFamily="34" charset="0"/>
+              </a:rPr>
+              <a:t>3 / 3</a:t>
+            </a:r>
+            <a:r>
+              <a:rPr lang="en-US" sz="4267" b="1" dirty="0">
+                <a:solidFill>
+                  <a:srgbClr val="000066"/>
+                </a:solidFill>
+                <a:ea typeface="Microsoft JhengHei" panose="020B0604030504040204" pitchFamily="34" charset="-120"/>
+                <a:cs typeface="Arial" panose="020B0604020202020204" pitchFamily="34" charset="0"/>
+              </a:rPr>
+              <a:t> )</a:t>
+            </a:r>
+            <a:endParaRPr lang="vi-VN" sz="4267" b="1" dirty="0">
+              <a:solidFill>
+                <a:srgbClr val="000066"/>
+              </a:solidFill>
+              <a:ea typeface="Microsoft JhengHei" panose="020B0604030504040204" pitchFamily="34" charset="-120"/>
+              <a:cs typeface="Arial" panose="020B0604020202020204" pitchFamily="34" charset="0"/>
+            </a:endParaRPr>
+          </a:p>
+        </p:txBody>
+      </p:sp>
+    </p:spTree>
+    <p:extLst>
+      <p:ext uri="{BB962C8B-B14F-4D97-AF65-F5344CB8AC3E}">
+        <p14:creationId xmlns:p14="http://schemas.microsoft.com/office/powerpoint/2010/main" val="1816063992"/>
       </p:ext>
     </p:extLst>
   </p:cSld>
